--- a/Lectures/Lecture 16/Lecture 16.pptx
+++ b/Lectures/Lecture 16/Lecture 16.pptx
@@ -225,7 +225,7 @@
           <a:p>
             <a:fld id="{467FE51A-BC06-4E6F-B1DA-B477364E598F}" type="datetimeFigureOut">
               <a:rPr lang="en-US" smtClean="0"/>
-              <a:t>2/18/2020</a:t>
+              <a:t>2/20/2020</a:t>
             </a:fld>
             <a:endParaRPr lang="en-US"/>
           </a:p>
@@ -639,7 +639,7 @@
           <a:p>
             <a:fld id="{11C4ABE2-2F1A-4C31-A43A-C3E7CE49CE95}" type="datetimeFigureOut">
               <a:rPr lang="en-US" smtClean="0"/>
-              <a:t>2/18/2020</a:t>
+              <a:t>2/20/2020</a:t>
             </a:fld>
             <a:endParaRPr lang="en-US"/>
           </a:p>
@@ -837,7 +837,7 @@
           <a:p>
             <a:fld id="{11C4ABE2-2F1A-4C31-A43A-C3E7CE49CE95}" type="datetimeFigureOut">
               <a:rPr lang="en-US" smtClean="0"/>
-              <a:t>2/18/2020</a:t>
+              <a:t>2/20/2020</a:t>
             </a:fld>
             <a:endParaRPr lang="en-US"/>
           </a:p>
@@ -1045,7 +1045,7 @@
           <a:p>
             <a:fld id="{11C4ABE2-2F1A-4C31-A43A-C3E7CE49CE95}" type="datetimeFigureOut">
               <a:rPr lang="en-US" smtClean="0"/>
-              <a:t>2/18/2020</a:t>
+              <a:t>2/20/2020</a:t>
             </a:fld>
             <a:endParaRPr lang="en-US"/>
           </a:p>
@@ -1243,7 +1243,7 @@
           <a:p>
             <a:fld id="{11C4ABE2-2F1A-4C31-A43A-C3E7CE49CE95}" type="datetimeFigureOut">
               <a:rPr lang="en-US" smtClean="0"/>
-              <a:t>2/18/2020</a:t>
+              <a:t>2/20/2020</a:t>
             </a:fld>
             <a:endParaRPr lang="en-US"/>
           </a:p>
@@ -1518,7 +1518,7 @@
           <a:p>
             <a:fld id="{11C4ABE2-2F1A-4C31-A43A-C3E7CE49CE95}" type="datetimeFigureOut">
               <a:rPr lang="en-US" smtClean="0"/>
-              <a:t>2/18/2020</a:t>
+              <a:t>2/20/2020</a:t>
             </a:fld>
             <a:endParaRPr lang="en-US"/>
           </a:p>
@@ -1783,7 +1783,7 @@
           <a:p>
             <a:fld id="{11C4ABE2-2F1A-4C31-A43A-C3E7CE49CE95}" type="datetimeFigureOut">
               <a:rPr lang="en-US" smtClean="0"/>
-              <a:t>2/18/2020</a:t>
+              <a:t>2/20/2020</a:t>
             </a:fld>
             <a:endParaRPr lang="en-US"/>
           </a:p>
@@ -2195,7 +2195,7 @@
           <a:p>
             <a:fld id="{11C4ABE2-2F1A-4C31-A43A-C3E7CE49CE95}" type="datetimeFigureOut">
               <a:rPr lang="en-US" smtClean="0"/>
-              <a:t>2/18/2020</a:t>
+              <a:t>2/20/2020</a:t>
             </a:fld>
             <a:endParaRPr lang="en-US"/>
           </a:p>
@@ -2336,7 +2336,7 @@
           <a:p>
             <a:fld id="{11C4ABE2-2F1A-4C31-A43A-C3E7CE49CE95}" type="datetimeFigureOut">
               <a:rPr lang="en-US" smtClean="0"/>
-              <a:t>2/18/2020</a:t>
+              <a:t>2/20/2020</a:t>
             </a:fld>
             <a:endParaRPr lang="en-US"/>
           </a:p>
@@ -2449,7 +2449,7 @@
           <a:p>
             <a:fld id="{11C4ABE2-2F1A-4C31-A43A-C3E7CE49CE95}" type="datetimeFigureOut">
               <a:rPr lang="en-US" smtClean="0"/>
-              <a:t>2/18/2020</a:t>
+              <a:t>2/20/2020</a:t>
             </a:fld>
             <a:endParaRPr lang="en-US"/>
           </a:p>
@@ -2760,7 +2760,7 @@
           <a:p>
             <a:fld id="{11C4ABE2-2F1A-4C31-A43A-C3E7CE49CE95}" type="datetimeFigureOut">
               <a:rPr lang="en-US" smtClean="0"/>
-              <a:t>2/18/2020</a:t>
+              <a:t>2/20/2020</a:t>
             </a:fld>
             <a:endParaRPr lang="en-US"/>
           </a:p>
@@ -3048,7 +3048,7 @@
           <a:p>
             <a:fld id="{11C4ABE2-2F1A-4C31-A43A-C3E7CE49CE95}" type="datetimeFigureOut">
               <a:rPr lang="en-US" smtClean="0"/>
-              <a:t>2/18/2020</a:t>
+              <a:t>2/20/2020</a:t>
             </a:fld>
             <a:endParaRPr lang="en-US"/>
           </a:p>
@@ -3289,7 +3289,7 @@
           <a:p>
             <a:fld id="{11C4ABE2-2F1A-4C31-A43A-C3E7CE49CE95}" type="datetimeFigureOut">
               <a:rPr lang="en-US" smtClean="0"/>
-              <a:t>2/18/2020</a:t>
+              <a:t>2/20/2020</a:t>
             </a:fld>
             <a:endParaRPr lang="en-US"/>
           </a:p>
@@ -12623,63 +12623,6 @@
                         </m:r>
                       </m:e>
                     </m:d>
-                    <m:r>
-                      <a:rPr lang="en-US" sz="2000" b="0" i="1" dirty="0" smtClean="0">
-                        <a:solidFill>
-                          <a:srgbClr val="404040"/>
-                        </a:solidFill>
-                        <a:latin typeface="Cambria Math" panose="02040503050406030204" pitchFamily="18" charset="0"/>
-                      </a:rPr>
-                      <m:t> </m:t>
-                    </m:r>
-                    <m:r>
-                      <m:rPr>
-                        <m:sty m:val="p"/>
-                      </m:rPr>
-                      <a:rPr lang="en-US" sz="2000" b="0" i="0" dirty="0" smtClean="0">
-                        <a:solidFill>
-                          <a:srgbClr val="404040"/>
-                        </a:solidFill>
-                        <a:latin typeface="Cambria Math" panose="02040503050406030204" pitchFamily="18" charset="0"/>
-                      </a:rPr>
-                      <m:t>and</m:t>
-                    </m:r>
-                    <m:r>
-                      <a:rPr lang="en-US" sz="2000" b="0" i="1" dirty="0" smtClean="0">
-                        <a:solidFill>
-                          <a:srgbClr val="404040"/>
-                        </a:solidFill>
-                        <a:latin typeface="Cambria Math" panose="02040503050406030204" pitchFamily="18" charset="0"/>
-                      </a:rPr>
-                      <m:t> </m:t>
-                    </m:r>
-                    <m:r>
-                      <a:rPr lang="en-US" sz="2000" b="0" i="1" dirty="0" smtClean="0">
-                        <a:solidFill>
-                          <a:srgbClr val="404040"/>
-                        </a:solidFill>
-                        <a:latin typeface="Cambria Math" panose="02040503050406030204" pitchFamily="18" charset="0"/>
-                      </a:rPr>
-                      <m:t>𝑖</m:t>
-                    </m:r>
-                    <m:r>
-                      <a:rPr lang="en-US" sz="2000" b="0" i="1" dirty="0" smtClean="0">
-                        <a:solidFill>
-                          <a:srgbClr val="404040"/>
-                        </a:solidFill>
-                        <a:latin typeface="Cambria Math" panose="02040503050406030204" pitchFamily="18" charset="0"/>
-                      </a:rPr>
-                      <m:t>≠</m:t>
-                    </m:r>
-                    <m:r>
-                      <a:rPr lang="en-US" sz="2000" b="0" i="1" dirty="0" smtClean="0">
-                        <a:solidFill>
-                          <a:srgbClr val="404040"/>
-                        </a:solidFill>
-                        <a:latin typeface="Cambria Math" panose="02040503050406030204" pitchFamily="18" charset="0"/>
-                      </a:rPr>
-                      <m:t>𝑗</m:t>
-                    </m:r>
                   </m:oMath>
                 </a14:m>
                 <a:endParaRPr lang="en-US" sz="2000" dirty="0">

--- a/Lectures/Lecture 16/Lecture 16.pptx
+++ b/Lectures/Lecture 16/Lecture 16.pptx
@@ -5,7 +5,7 @@
     <p:sldMasterId id="2147483648" r:id="rId1"/>
   </p:sldMasterIdLst>
   <p:notesMasterIdLst>
-    <p:notesMasterId r:id="rId19"/>
+    <p:notesMasterId r:id="rId20"/>
   </p:notesMasterIdLst>
   <p:sldIdLst>
     <p:sldId id="256" r:id="rId2"/>
@@ -16,15 +16,16 @@
     <p:sldId id="502" r:id="rId7"/>
     <p:sldId id="503" r:id="rId8"/>
     <p:sldId id="499" r:id="rId9"/>
-    <p:sldId id="457" r:id="rId10"/>
-    <p:sldId id="504" r:id="rId11"/>
-    <p:sldId id="458" r:id="rId12"/>
-    <p:sldId id="506" r:id="rId13"/>
-    <p:sldId id="505" r:id="rId14"/>
-    <p:sldId id="507" r:id="rId15"/>
-    <p:sldId id="508" r:id="rId16"/>
-    <p:sldId id="509" r:id="rId17"/>
-    <p:sldId id="258" r:id="rId18"/>
+    <p:sldId id="510" r:id="rId10"/>
+    <p:sldId id="511" r:id="rId11"/>
+    <p:sldId id="504" r:id="rId12"/>
+    <p:sldId id="458" r:id="rId13"/>
+    <p:sldId id="506" r:id="rId14"/>
+    <p:sldId id="505" r:id="rId15"/>
+    <p:sldId id="507" r:id="rId16"/>
+    <p:sldId id="508" r:id="rId17"/>
+    <p:sldId id="509" r:id="rId18"/>
+    <p:sldId id="258" r:id="rId19"/>
   </p:sldIdLst>
   <p:sldSz cx="12192000" cy="6858000"/>
   <p:notesSz cx="6858000" cy="9144000"/>
@@ -225,7 +226,7 @@
           <a:p>
             <a:fld id="{467FE51A-BC06-4E6F-B1DA-B477364E598F}" type="datetimeFigureOut">
               <a:rPr lang="en-US" smtClean="0"/>
-              <a:t>2/20/2020</a:t>
+              <a:t>3/8/2021</a:t>
             </a:fld>
             <a:endParaRPr lang="en-US"/>
           </a:p>
@@ -639,7 +640,7 @@
           <a:p>
             <a:fld id="{11C4ABE2-2F1A-4C31-A43A-C3E7CE49CE95}" type="datetimeFigureOut">
               <a:rPr lang="en-US" smtClean="0"/>
-              <a:t>2/20/2020</a:t>
+              <a:t>3/8/2021</a:t>
             </a:fld>
             <a:endParaRPr lang="en-US"/>
           </a:p>
@@ -837,7 +838,7 @@
           <a:p>
             <a:fld id="{11C4ABE2-2F1A-4C31-A43A-C3E7CE49CE95}" type="datetimeFigureOut">
               <a:rPr lang="en-US" smtClean="0"/>
-              <a:t>2/20/2020</a:t>
+              <a:t>3/8/2021</a:t>
             </a:fld>
             <a:endParaRPr lang="en-US"/>
           </a:p>
@@ -1045,7 +1046,7 @@
           <a:p>
             <a:fld id="{11C4ABE2-2F1A-4C31-A43A-C3E7CE49CE95}" type="datetimeFigureOut">
               <a:rPr lang="en-US" smtClean="0"/>
-              <a:t>2/20/2020</a:t>
+              <a:t>3/8/2021</a:t>
             </a:fld>
             <a:endParaRPr lang="en-US"/>
           </a:p>
@@ -1243,7 +1244,7 @@
           <a:p>
             <a:fld id="{11C4ABE2-2F1A-4C31-A43A-C3E7CE49CE95}" type="datetimeFigureOut">
               <a:rPr lang="en-US" smtClean="0"/>
-              <a:t>2/20/2020</a:t>
+              <a:t>3/8/2021</a:t>
             </a:fld>
             <a:endParaRPr lang="en-US"/>
           </a:p>
@@ -1518,7 +1519,7 @@
           <a:p>
             <a:fld id="{11C4ABE2-2F1A-4C31-A43A-C3E7CE49CE95}" type="datetimeFigureOut">
               <a:rPr lang="en-US" smtClean="0"/>
-              <a:t>2/20/2020</a:t>
+              <a:t>3/8/2021</a:t>
             </a:fld>
             <a:endParaRPr lang="en-US"/>
           </a:p>
@@ -1783,7 +1784,7 @@
           <a:p>
             <a:fld id="{11C4ABE2-2F1A-4C31-A43A-C3E7CE49CE95}" type="datetimeFigureOut">
               <a:rPr lang="en-US" smtClean="0"/>
-              <a:t>2/20/2020</a:t>
+              <a:t>3/8/2021</a:t>
             </a:fld>
             <a:endParaRPr lang="en-US"/>
           </a:p>
@@ -2195,7 +2196,7 @@
           <a:p>
             <a:fld id="{11C4ABE2-2F1A-4C31-A43A-C3E7CE49CE95}" type="datetimeFigureOut">
               <a:rPr lang="en-US" smtClean="0"/>
-              <a:t>2/20/2020</a:t>
+              <a:t>3/8/2021</a:t>
             </a:fld>
             <a:endParaRPr lang="en-US"/>
           </a:p>
@@ -2336,7 +2337,7 @@
           <a:p>
             <a:fld id="{11C4ABE2-2F1A-4C31-A43A-C3E7CE49CE95}" type="datetimeFigureOut">
               <a:rPr lang="en-US" smtClean="0"/>
-              <a:t>2/20/2020</a:t>
+              <a:t>3/8/2021</a:t>
             </a:fld>
             <a:endParaRPr lang="en-US"/>
           </a:p>
@@ -2449,7 +2450,7 @@
           <a:p>
             <a:fld id="{11C4ABE2-2F1A-4C31-A43A-C3E7CE49CE95}" type="datetimeFigureOut">
               <a:rPr lang="en-US" smtClean="0"/>
-              <a:t>2/20/2020</a:t>
+              <a:t>3/8/2021</a:t>
             </a:fld>
             <a:endParaRPr lang="en-US"/>
           </a:p>
@@ -2760,7 +2761,7 @@
           <a:p>
             <a:fld id="{11C4ABE2-2F1A-4C31-A43A-C3E7CE49CE95}" type="datetimeFigureOut">
               <a:rPr lang="en-US" smtClean="0"/>
-              <a:t>2/20/2020</a:t>
+              <a:t>3/8/2021</a:t>
             </a:fld>
             <a:endParaRPr lang="en-US"/>
           </a:p>
@@ -3048,7 +3049,7 @@
           <a:p>
             <a:fld id="{11C4ABE2-2F1A-4C31-A43A-C3E7CE49CE95}" type="datetimeFigureOut">
               <a:rPr lang="en-US" smtClean="0"/>
-              <a:t>2/20/2020</a:t>
+              <a:t>3/8/2021</a:t>
             </a:fld>
             <a:endParaRPr lang="en-US"/>
           </a:p>
@@ -3289,7 +3290,7 @@
           <a:p>
             <a:fld id="{11C4ABE2-2F1A-4C31-A43A-C3E7CE49CE95}" type="datetimeFigureOut">
               <a:rPr lang="en-US" smtClean="0"/>
-              <a:t>2/20/2020</a:t>
+              <a:t>3/8/2021</a:t>
             </a:fld>
             <a:endParaRPr lang="en-US"/>
           </a:p>
@@ -5918,7 +5919,7 @@
                 </a:solidFill>
                 <a:latin typeface="Bodoni MT" panose="02070603080606020203" pitchFamily="18" charset="0"/>
               </a:rPr>
-              <a:t>Ex: Oakdale School Busing</a:t>
+              <a:t>Ex: The Expanse</a:t>
             </a:r>
           </a:p>
         </p:txBody>
@@ -6493,7 +6494,7 @@
         <p:spPr>
           <a:xfrm>
             <a:off x="773935" y="1947592"/>
-            <a:ext cx="8859163" cy="5016758"/>
+            <a:ext cx="8859163" cy="3477875"/>
           </a:xfrm>
           <a:prstGeom prst="rect">
             <a:avLst/>
@@ -6517,22 +6518,34 @@
                 </a:solidFill>
                 <a:latin typeface="Corbel" panose="020B0503020204020204" pitchFamily="34" charset="0"/>
               </a:rPr>
-              <a:t>Act I</a:t>
+              <a:t>Currently, Ceres is the only asteroid that has even balance between people from Earth and Mars </a:t>
             </a:r>
           </a:p>
           <a:p>
-            <a:pPr marL="742950" lvl="1" indent="-285750">
+            <a:pPr marL="285750" indent="-285750">
+              <a:buFont typeface="Arial" panose="020B0604020202020204" pitchFamily="34" charset="0"/>
+              <a:buChar char="•"/>
+            </a:pPr>
+            <a:endParaRPr lang="en-US" sz="2000" dirty="0">
+              <a:solidFill>
+                <a:srgbClr val="404040"/>
+              </a:solidFill>
+              <a:latin typeface="Corbel" panose="020B0503020204020204" pitchFamily="34" charset="0"/>
+            </a:endParaRPr>
+          </a:p>
+          <a:p>
+            <a:pPr marL="285750" indent="-285750">
               <a:buFont typeface="Arial" panose="020B0604020202020204" pitchFamily="34" charset="0"/>
               <a:buChar char="•"/>
             </a:pPr>
             <a:r>
               <a:rPr lang="en-US" sz="2000" dirty="0">
                 <a:solidFill>
-                  <a:srgbClr val="11B29F"/>
+                  <a:srgbClr val="404040"/>
                 </a:solidFill>
                 <a:latin typeface="Corbel" panose="020B0503020204020204" pitchFamily="34" charset="0"/>
               </a:rPr>
-              <a:t>“Rather than starting off by trying to shift students from one district to another, why don’t we try to establish what we want to accomplish?” – JC</a:t>
+              <a:t>Six prominent individuals from Mars and Earth, who are leaders at the various asteroids, come together to determine the best way to relocate their people </a:t>
             </a:r>
           </a:p>
           <a:p>
@@ -6547,52 +6560,7 @@
                 </a:solidFill>
                 <a:latin typeface="Corbel" panose="020B0503020204020204" pitchFamily="34" charset="0"/>
               </a:rPr>
-              <a:t>“Good idea, Lil John” – FH</a:t>
-            </a:r>
-          </a:p>
-          <a:p>
-            <a:pPr marL="742950" lvl="1" indent="-285750">
-              <a:buFont typeface="Arial" panose="020B0604020202020204" pitchFamily="34" charset="0"/>
-              <a:buChar char="•"/>
-            </a:pPr>
-            <a:r>
-              <a:rPr lang="en-US" sz="2000" dirty="0">
-                <a:solidFill>
-                  <a:srgbClr val="11B29F"/>
-                </a:solidFill>
-                <a:latin typeface="Corbel" panose="020B0503020204020204" pitchFamily="34" charset="0"/>
-              </a:rPr>
-              <a:t>“Sixty percent of our students are white and 40% are black, so that’s what we need our schools to be, 60% and 40%.” – JC </a:t>
-            </a:r>
-          </a:p>
-          <a:p>
-            <a:pPr marL="742950" lvl="1" indent="-285750">
-              <a:buFont typeface="Arial" panose="020B0604020202020204" pitchFamily="34" charset="0"/>
-              <a:buChar char="•"/>
-            </a:pPr>
-            <a:r>
-              <a:rPr lang="en-US" sz="2000" dirty="0">
-                <a:solidFill>
-                  <a:srgbClr val="A71B86"/>
-                </a:solidFill>
-                <a:latin typeface="Corbel" panose="020B0503020204020204" pitchFamily="34" charset="0"/>
-              </a:rPr>
-              <a:t>“That’s okay for you to say, Lil John, because your district (East) is already close to those proportions. My district in the North is a long way from that ratio, and we would have to bus a lot of our students.” – BP</a:t>
-            </a:r>
-          </a:p>
-          <a:p>
-            <a:pPr marL="742950" lvl="1" indent="-285750">
-              <a:buFont typeface="Arial" panose="020B0604020202020204" pitchFamily="34" charset="0"/>
-              <a:buChar char="•"/>
-            </a:pPr>
-            <a:r>
-              <a:rPr lang="en-US" sz="2000" dirty="0">
-                <a:solidFill>
-                  <a:srgbClr val="11B29F"/>
-                </a:solidFill>
-                <a:latin typeface="Corbel" panose="020B0503020204020204" pitchFamily="34" charset="0"/>
-              </a:rPr>
-              <a:t>“I’m not saying it, Betty; Judge Barry has been saying it for 6 months.” – JC</a:t>
+              <a:t>John Connor (JC) – Represents Pallas</a:t>
             </a:r>
           </a:p>
           <a:p>
@@ -6607,42 +6575,11 @@
                 </a:solidFill>
                 <a:latin typeface="Corbel" panose="020B0503020204020204" pitchFamily="34" charset="0"/>
               </a:rPr>
-              <a:t>“John’s right, Betty, and we’re not busing students yet; we’re just putting down our objectives. I think that must be our highest-priority.“ – FH </a:t>
+              <a:t>Fred Harvey (FH) – Represents Ceres</a:t>
             </a:r>
           </a:p>
           <a:p>
             <a:pPr marL="742950" lvl="1" indent="-285750">
-              <a:buFont typeface="Arial" panose="020B0604020202020204" pitchFamily="34" charset="0"/>
-              <a:buChar char="•"/>
-            </a:pPr>
-            <a:r>
-              <a:rPr lang="en-US" sz="2000" i="1" dirty="0">
-                <a:solidFill>
-                  <a:schemeClr val="bg1">
-                    <a:lumMod val="50000"/>
-                  </a:schemeClr>
-                </a:solidFill>
-                <a:latin typeface="Corbel" panose="020B0503020204020204" pitchFamily="34" charset="0"/>
-              </a:rPr>
-              <a:t>They all node in agreement like a bunch of bobbleheads</a:t>
-            </a:r>
-          </a:p>
-          <a:p>
-            <a:pPr marL="742950" lvl="1" indent="-285750">
-              <a:buFont typeface="Arial" panose="020B0604020202020204" pitchFamily="34" charset="0"/>
-              <a:buChar char="•"/>
-            </a:pPr>
-            <a:endParaRPr lang="en-US" sz="2000" i="1" dirty="0">
-              <a:solidFill>
-                <a:schemeClr val="bg1">
-                  <a:lumMod val="50000"/>
-                </a:schemeClr>
-              </a:solidFill>
-              <a:latin typeface="Corbel" panose="020B0503020204020204" pitchFamily="34" charset="0"/>
-            </a:endParaRPr>
-          </a:p>
-          <a:p>
-            <a:pPr marL="285750" indent="-285750">
               <a:buFont typeface="Arial" panose="020B0604020202020204" pitchFamily="34" charset="0"/>
               <a:buChar char="•"/>
             </a:pPr>
@@ -6653,7 +6590,7 @@
                 </a:solidFill>
                 <a:latin typeface="Corbel" panose="020B0503020204020204" pitchFamily="34" charset="0"/>
               </a:rPr>
-              <a:t>Intermission I</a:t>
+              <a:t>Betty Philips (BP) – Represents Vesta		</a:t>
             </a:r>
           </a:p>
           <a:p>
@@ -6661,12 +6598,69 @@
               <a:buFont typeface="Arial" panose="020B0604020202020204" pitchFamily="34" charset="0"/>
               <a:buChar char="•"/>
             </a:pPr>
+            <a:r>
+              <a:rPr lang="en-US" sz="2000" dirty="0">
+                <a:solidFill>
+                  <a:srgbClr val="404040"/>
+                </a:solidFill>
+                <a:latin typeface="Corbel" panose="020B0503020204020204" pitchFamily="34" charset="0"/>
+              </a:rPr>
+              <a:t>Mickey </a:t>
+            </a:r>
+            <a:r>
+              <a:rPr lang="en-US" sz="2000" dirty="0" err="1">
+                <a:solidFill>
+                  <a:srgbClr val="404040"/>
+                </a:solidFill>
+                <a:latin typeface="Corbel" panose="020B0503020204020204" pitchFamily="34" charset="0"/>
+              </a:rPr>
+              <a:t>Gibbony</a:t>
+            </a:r>
+            <a:r>
+              <a:rPr lang="en-US" sz="2000" dirty="0">
+                <a:solidFill>
+                  <a:srgbClr val="404040"/>
+                </a:solidFill>
+                <a:latin typeface="Corbel" panose="020B0503020204020204" pitchFamily="34" charset="0"/>
+              </a:rPr>
+              <a:t> (MG) – Represents Hygiea	</a:t>
+            </a:r>
+          </a:p>
+          <a:p>
+            <a:pPr marL="742950" lvl="1" indent="-285750">
+              <a:buFont typeface="Arial" panose="020B0604020202020204" pitchFamily="34" charset="0"/>
+              <a:buChar char="•"/>
+            </a:pPr>
+            <a:r>
+              <a:rPr lang="en-US" sz="2000" dirty="0">
+                <a:solidFill>
+                  <a:srgbClr val="404040"/>
+                </a:solidFill>
+                <a:latin typeface="Corbel" panose="020B0503020204020204" pitchFamily="34" charset="0"/>
+              </a:rPr>
+              <a:t>Cassandra Watkins	 (CW) – Represents Ceres</a:t>
+            </a:r>
             <a:endParaRPr lang="en-US" sz="2000" i="1" dirty="0">
               <a:solidFill>
                 <a:srgbClr val="404040"/>
               </a:solidFill>
               <a:latin typeface="Corbel" panose="020B0503020204020204" pitchFamily="34" charset="0"/>
             </a:endParaRPr>
+          </a:p>
+          <a:p>
+            <a:pPr marL="742950" lvl="1" indent="-285750">
+              <a:buFont typeface="Arial" panose="020B0604020202020204" pitchFamily="34" charset="0"/>
+              <a:buChar char="•"/>
+            </a:pPr>
+            <a:r>
+              <a:rPr lang="en-US" sz="2000" dirty="0">
+                <a:solidFill>
+                  <a:srgbClr val="404040"/>
+                </a:solidFill>
+                <a:latin typeface="Corbel" panose="020B0503020204020204" pitchFamily="34" charset="0"/>
+              </a:rPr>
+              <a:t>Bob Wilson (BW) – Represents Pallas	</a:t>
+            </a:r>
           </a:p>
         </p:txBody>
       </p:sp>
@@ -6790,7 +6784,7 @@
     </p:spTree>
     <p:extLst>
       <p:ext uri="{BB962C8B-B14F-4D97-AF65-F5344CB8AC3E}">
-        <p14:creationId xmlns:p14="http://schemas.microsoft.com/office/powerpoint/2010/main" val="2090407900"/>
+        <p14:creationId xmlns:p14="http://schemas.microsoft.com/office/powerpoint/2010/main" val="3700218085"/>
       </p:ext>
     </p:extLst>
   </p:cSld>
@@ -6997,7 +6991,7 @@
                 </a:solidFill>
                 <a:latin typeface="Bodoni MT" panose="02070603080606020203" pitchFamily="18" charset="0"/>
               </a:rPr>
-              <a:t>Ex: Oakdale School Busing</a:t>
+              <a:t>Ex: The Expanse</a:t>
             </a:r>
           </a:p>
         </p:txBody>
@@ -7572,7 +7566,7 @@
         <p:spPr>
           <a:xfrm>
             <a:off x="773935" y="1947592"/>
-            <a:ext cx="8859163" cy="1938992"/>
+            <a:ext cx="8859163" cy="5016758"/>
           </a:xfrm>
           <a:prstGeom prst="rect">
             <a:avLst/>
@@ -7596,7 +7590,7 @@
                 </a:solidFill>
                 <a:latin typeface="Corbel" panose="020B0503020204020204" pitchFamily="34" charset="0"/>
               </a:rPr>
-              <a:t>Act II</a:t>
+              <a:t>Act I</a:t>
             </a:r>
           </a:p>
           <a:p>
@@ -7611,7 +7605,100 @@
                 </a:solidFill>
                 <a:latin typeface="Corbel" panose="020B0503020204020204" pitchFamily="34" charset="0"/>
               </a:rPr>
-              <a:t>“Since we’re going to have to bus students to achieve this ratio at each school, I think we ought to try to minimize  the amount of traveling.”– MG</a:t>
+              <a:t>“Rather than starting off by trying to move people from one asteroid  to another, why don’t we try to establish what we want to accomplish?” – JC</a:t>
+            </a:r>
+          </a:p>
+          <a:p>
+            <a:pPr marL="742950" lvl="1" indent="-285750">
+              <a:buFont typeface="Arial" panose="020B0604020202020204" pitchFamily="34" charset="0"/>
+              <a:buChar char="•"/>
+            </a:pPr>
+            <a:r>
+              <a:rPr lang="en-US" sz="2000" dirty="0">
+                <a:solidFill>
+                  <a:srgbClr val="404040"/>
+                </a:solidFill>
+                <a:latin typeface="Corbel" panose="020B0503020204020204" pitchFamily="34" charset="0"/>
+              </a:rPr>
+              <a:t>“Good idea, Lil John” – FH</a:t>
+            </a:r>
+          </a:p>
+          <a:p>
+            <a:pPr marL="742950" lvl="1" indent="-285750">
+              <a:buFont typeface="Arial" panose="020B0604020202020204" pitchFamily="34" charset="0"/>
+              <a:buChar char="•"/>
+            </a:pPr>
+            <a:r>
+              <a:rPr lang="en-US" sz="2000" dirty="0">
+                <a:solidFill>
+                  <a:srgbClr val="11B29F"/>
+                </a:solidFill>
+                <a:latin typeface="Corbel" panose="020B0503020204020204" pitchFamily="34" charset="0"/>
+              </a:rPr>
+              <a:t>“Sixty percent of all residents are Martians and 40% are Earthers, so that’s what we need our asteroids to be, 60% and 40%.” – JC </a:t>
+            </a:r>
+          </a:p>
+          <a:p>
+            <a:pPr marL="742950" lvl="1" indent="-285750">
+              <a:buFont typeface="Arial" panose="020B0604020202020204" pitchFamily="34" charset="0"/>
+              <a:buChar char="•"/>
+            </a:pPr>
+            <a:r>
+              <a:rPr lang="en-US" sz="2000" dirty="0">
+                <a:solidFill>
+                  <a:srgbClr val="A71B86"/>
+                </a:solidFill>
+                <a:latin typeface="Corbel" panose="020B0503020204020204" pitchFamily="34" charset="0"/>
+              </a:rPr>
+              <a:t>“That’s okay for you to say, Lil John, because your </a:t>
+            </a:r>
+            <a:r>
+              <a:rPr lang="en-US" sz="2000" dirty="0" err="1">
+                <a:solidFill>
+                  <a:srgbClr val="A71B86"/>
+                </a:solidFill>
+                <a:latin typeface="Corbel" panose="020B0503020204020204" pitchFamily="34" charset="0"/>
+              </a:rPr>
+              <a:t>asteriod</a:t>
+            </a:r>
+            <a:r>
+              <a:rPr lang="en-US" sz="2000" dirty="0">
+                <a:solidFill>
+                  <a:srgbClr val="A71B86"/>
+                </a:solidFill>
+                <a:latin typeface="Corbel" panose="020B0503020204020204" pitchFamily="34" charset="0"/>
+              </a:rPr>
+              <a:t> (Pallas) is already close to those proportions. My asteroid (Vesta) is a long way from that ratio, and we would have to move a lot of our residents.” – BP</a:t>
+            </a:r>
+          </a:p>
+          <a:p>
+            <a:pPr marL="742950" lvl="1" indent="-285750">
+              <a:buFont typeface="Arial" panose="020B0604020202020204" pitchFamily="34" charset="0"/>
+              <a:buChar char="•"/>
+            </a:pPr>
+            <a:r>
+              <a:rPr lang="en-US" sz="2000" dirty="0">
+                <a:solidFill>
+                  <a:srgbClr val="11B29F"/>
+                </a:solidFill>
+                <a:latin typeface="Corbel" panose="020B0503020204020204" pitchFamily="34" charset="0"/>
+              </a:rPr>
+              <a:t>“I’m not saying it, Betty; Jim Holden has been saying it for 6 months.” – JC</a:t>
+            </a:r>
+          </a:p>
+          <a:p>
+            <a:pPr marL="742950" lvl="1" indent="-285750">
+              <a:buFont typeface="Arial" panose="020B0604020202020204" pitchFamily="34" charset="0"/>
+              <a:buChar char="•"/>
+            </a:pPr>
+            <a:r>
+              <a:rPr lang="en-US" sz="2000" dirty="0">
+                <a:solidFill>
+                  <a:srgbClr val="404040"/>
+                </a:solidFill>
+                <a:latin typeface="Corbel" panose="020B0503020204020204" pitchFamily="34" charset="0"/>
+              </a:rPr>
+              <a:t>“John’s right, Betty, and we’re not moving people yet; we’re just putting down our objectives. I think that must be our highest-priority.“ – FH </a:t>
             </a:r>
           </a:p>
           <a:p>
@@ -7628,8 +7715,49 @@
                 </a:solidFill>
                 <a:latin typeface="Corbel" panose="020B0503020204020204" pitchFamily="34" charset="0"/>
               </a:rPr>
-              <a:t>Fred Harvey noted page 10 of their handout with a chart showing the average mileage a student in one district would have to travel by bus to the high school in each of the other districts</a:t>
+              <a:t>They all nod in agreement like a bunch of bobbleheads</a:t>
             </a:r>
+          </a:p>
+          <a:p>
+            <a:pPr marL="742950" lvl="1" indent="-285750">
+              <a:buFont typeface="Arial" panose="020B0604020202020204" pitchFamily="34" charset="0"/>
+              <a:buChar char="•"/>
+            </a:pPr>
+            <a:endParaRPr lang="en-US" sz="2000" i="1" dirty="0">
+              <a:solidFill>
+                <a:schemeClr val="bg1">
+                  <a:lumMod val="50000"/>
+                </a:schemeClr>
+              </a:solidFill>
+              <a:latin typeface="Corbel" panose="020B0503020204020204" pitchFamily="34" charset="0"/>
+            </a:endParaRPr>
+          </a:p>
+          <a:p>
+            <a:pPr marL="285750" indent="-285750">
+              <a:buFont typeface="Arial" panose="020B0604020202020204" pitchFamily="34" charset="0"/>
+              <a:buChar char="•"/>
+            </a:pPr>
+            <a:r>
+              <a:rPr lang="en-US" sz="2000" dirty="0">
+                <a:solidFill>
+                  <a:srgbClr val="404040"/>
+                </a:solidFill>
+                <a:latin typeface="Corbel" panose="020B0503020204020204" pitchFamily="34" charset="0"/>
+              </a:rPr>
+              <a:t>Intermission I</a:t>
+            </a:r>
+          </a:p>
+          <a:p>
+            <a:pPr marL="742950" lvl="1" indent="-285750">
+              <a:buFont typeface="Arial" panose="020B0604020202020204" pitchFamily="34" charset="0"/>
+              <a:buChar char="•"/>
+            </a:pPr>
+            <a:endParaRPr lang="en-US" sz="2000" i="1" dirty="0">
+              <a:solidFill>
+                <a:srgbClr val="404040"/>
+              </a:solidFill>
+              <a:latin typeface="Corbel" panose="020B0503020204020204" pitchFamily="34" charset="0"/>
+            </a:endParaRPr>
           </a:p>
         </p:txBody>
       </p:sp>
@@ -7750,52 +7878,10 @@
           </a:prstGeom>
         </p:spPr>
       </p:pic>
-      <p:pic>
-        <p:nvPicPr>
-          <p:cNvPr id="23" name="Picture 22">
-            <a:extLst>
-              <a:ext uri="{FF2B5EF4-FFF2-40B4-BE49-F238E27FC236}">
-                <a16:creationId xmlns:a16="http://schemas.microsoft.com/office/drawing/2014/main" id="{F7FC8135-B2B7-42FF-A217-B1BE75FF15D3}"/>
-              </a:ext>
-            </a:extLst>
-          </p:cNvPr>
-          <p:cNvPicPr>
-            <a:picLocks noChangeAspect="1"/>
-          </p:cNvPicPr>
-          <p:nvPr/>
-        </p:nvPicPr>
-        <p:blipFill>
-          <a:blip r:embed="rId6"/>
-          <a:stretch>
-            <a:fillRect/>
-          </a:stretch>
-        </p:blipFill>
-        <p:spPr>
-          <a:xfrm>
-            <a:off x="2316903" y="4227642"/>
-            <a:ext cx="5934745" cy="1884046"/>
-          </a:xfrm>
-          <a:prstGeom prst="rect">
-            <a:avLst/>
-          </a:prstGeom>
-          <a:ln w="38100">
-            <a:solidFill>
-              <a:srgbClr val="11B29F"/>
-            </a:solidFill>
-          </a:ln>
-          <a:effectLst>
-            <a:outerShdw blurRad="292100" dist="139700" dir="2700000" algn="tl" rotWithShape="0">
-              <a:srgbClr val="333333">
-                <a:alpha val="65000"/>
-              </a:srgbClr>
-            </a:outerShdw>
-          </a:effectLst>
-        </p:spPr>
-      </p:pic>
     </p:spTree>
     <p:extLst>
       <p:ext uri="{BB962C8B-B14F-4D97-AF65-F5344CB8AC3E}">
-        <p14:creationId xmlns:p14="http://schemas.microsoft.com/office/powerpoint/2010/main" val="4113311889"/>
+        <p14:creationId xmlns:p14="http://schemas.microsoft.com/office/powerpoint/2010/main" val="2090407900"/>
       </p:ext>
     </p:extLst>
   </p:cSld>
@@ -8002,7 +8088,7 @@
                 </a:solidFill>
                 <a:latin typeface="Bodoni MT" panose="02070603080606020203" pitchFamily="18" charset="0"/>
               </a:rPr>
-              <a:t>Ex: Oakdale School Busing</a:t>
+              <a:t>Ex: The Expanse</a:t>
             </a:r>
           </a:p>
         </p:txBody>
@@ -8577,7 +8663,7 @@
         <p:spPr>
           <a:xfrm>
             <a:off x="773935" y="1947592"/>
-            <a:ext cx="8859163" cy="3477875"/>
+            <a:ext cx="8859163" cy="2246769"/>
           </a:xfrm>
           <a:prstGeom prst="rect">
             <a:avLst/>
@@ -8612,11 +8698,11 @@
             <a:r>
               <a:rPr lang="en-US" sz="2000" dirty="0">
                 <a:solidFill>
-                  <a:srgbClr val="A71B86"/>
+                  <a:srgbClr val="11B29F"/>
                 </a:solidFill>
                 <a:latin typeface="Corbel" panose="020B0503020204020204" pitchFamily="34" charset="0"/>
               </a:rPr>
-              <a:t>“Why not set reasonable objectives for total busing miles, for the students’ sake and for budgeting reasons? I would suggest about 30,000 miles per day, based on the miles we bus students now. If we get much higher than that we’re not going to have the money to pay for it, and it means we’ll be busing students all over the place.” – CW</a:t>
+              <a:t>“Since we’re going to have to move people to achieve this ratio at each asteroid, I think we ought to try to minimize  the amount of traveling.”– MG</a:t>
             </a:r>
           </a:p>
           <a:p>
@@ -8633,7 +8719,7 @@
                 </a:solidFill>
                 <a:latin typeface="Corbel" panose="020B0503020204020204" pitchFamily="34" charset="0"/>
               </a:rPr>
-              <a:t>They all node in agreement like a bunch of bobbleheads</a:t>
+              <a:t>Fred Harvey shared a table showing the distance (in millions of miles) a person in one asteroid would have to travel to get to each of the other asteroids.</a:t>
             </a:r>
           </a:p>
           <a:p>
@@ -8641,51 +8727,22 @@
               <a:buFont typeface="Arial" panose="020B0604020202020204" pitchFamily="34" charset="0"/>
               <a:buChar char="•"/>
             </a:pPr>
-            <a:r>
-              <a:rPr lang="en-US" sz="2000" dirty="0">
-                <a:solidFill>
-                  <a:srgbClr val="404040"/>
-                </a:solidFill>
-                <a:latin typeface="Corbel" panose="020B0503020204020204" pitchFamily="34" charset="0"/>
-              </a:rPr>
-              <a:t>“Okay, that’ll be our number two goal.” – FH</a:t>
-            </a:r>
-          </a:p>
-          <a:p>
-            <a:pPr marL="285750" indent="-285750">
-              <a:buFont typeface="Arial" panose="020B0604020202020204" pitchFamily="34" charset="0"/>
-              <a:buChar char="•"/>
-            </a:pPr>
-            <a:endParaRPr lang="en-US" sz="2000" dirty="0">
+            <a:endParaRPr lang="en-US" sz="2000" i="1" dirty="0">
               <a:solidFill>
-                <a:srgbClr val="404040"/>
+                <a:schemeClr val="bg1">
+                  <a:lumMod val="50000"/>
+                </a:schemeClr>
               </a:solidFill>
               <a:latin typeface="Corbel" panose="020B0503020204020204" pitchFamily="34" charset="0"/>
             </a:endParaRPr>
           </a:p>
           <a:p>
-            <a:pPr marL="285750" indent="-285750">
-              <a:buFont typeface="Arial" panose="020B0604020202020204" pitchFamily="34" charset="0"/>
-              <a:buChar char="•"/>
-            </a:pPr>
-            <a:r>
-              <a:rPr lang="en-US" sz="2000" dirty="0">
-                <a:solidFill>
-                  <a:srgbClr val="404040"/>
-                </a:solidFill>
-                <a:latin typeface="Corbel" panose="020B0503020204020204" pitchFamily="34" charset="0"/>
-              </a:rPr>
-              <a:t>Intermission II</a:t>
-            </a:r>
-          </a:p>
-          <a:p>
-            <a:pPr marL="742950" lvl="1" indent="-285750">
-              <a:buFont typeface="Arial" panose="020B0604020202020204" pitchFamily="34" charset="0"/>
-              <a:buChar char="•"/>
-            </a:pPr>
-            <a:endParaRPr lang="en-US" sz="2000" dirty="0">
+            <a:pPr lvl="1"/>
+            <a:endParaRPr lang="en-US" sz="2000" i="1" dirty="0">
               <a:solidFill>
-                <a:srgbClr val="404040"/>
+                <a:schemeClr val="bg1">
+                  <a:lumMod val="50000"/>
+                </a:schemeClr>
               </a:solidFill>
               <a:latin typeface="Corbel" panose="020B0503020204020204" pitchFamily="34" charset="0"/>
             </a:endParaRPr>
@@ -8809,10 +8866,466 @@
           </a:prstGeom>
         </p:spPr>
       </p:pic>
+      <p:graphicFrame>
+        <p:nvGraphicFramePr>
+          <p:cNvPr id="3" name="Table 3">
+            <a:extLst>
+              <a:ext uri="{FF2B5EF4-FFF2-40B4-BE49-F238E27FC236}">
+                <a16:creationId xmlns:a16="http://schemas.microsoft.com/office/drawing/2014/main" id="{58241E20-8F4F-4C63-9F3C-F36F2EA6500E}"/>
+              </a:ext>
+            </a:extLst>
+          </p:cNvPr>
+          <p:cNvGraphicFramePr>
+            <a:graphicFrameLocks noGrp="1"/>
+          </p:cNvGraphicFramePr>
+          <p:nvPr>
+            <p:extLst>
+              <p:ext uri="{D42A27DB-BD31-4B8C-83A1-F6EECF244321}">
+                <p14:modId xmlns:p14="http://schemas.microsoft.com/office/powerpoint/2010/main" val="1413792900"/>
+              </p:ext>
+            </p:extLst>
+          </p:nvPr>
+        </p:nvGraphicFramePr>
+        <p:xfrm>
+          <a:off x="1139516" y="3981907"/>
+          <a:ext cx="8128000" cy="1849120"/>
+        </p:xfrm>
+        <a:graphic>
+          <a:graphicData uri="http://schemas.openxmlformats.org/drawingml/2006/table">
+            <a:tbl>
+              <a:tblPr firstRow="1" bandRow="1">
+                <a:tableStyleId>{0505E3EF-67EA-436B-97B2-0124C06EBD24}</a:tableStyleId>
+              </a:tblPr>
+              <a:tblGrid>
+                <a:gridCol w="1625600">
+                  <a:extLst>
+                    <a:ext uri="{9D8B030D-6E8A-4147-A177-3AD203B41FA5}">
+                      <a16:colId xmlns:a16="http://schemas.microsoft.com/office/drawing/2014/main" val="884158799"/>
+                    </a:ext>
+                  </a:extLst>
+                </a:gridCol>
+                <a:gridCol w="1625600">
+                  <a:extLst>
+                    <a:ext uri="{9D8B030D-6E8A-4147-A177-3AD203B41FA5}">
+                      <a16:colId xmlns:a16="http://schemas.microsoft.com/office/drawing/2014/main" val="3587704130"/>
+                    </a:ext>
+                  </a:extLst>
+                </a:gridCol>
+                <a:gridCol w="1625600">
+                  <a:extLst>
+                    <a:ext uri="{9D8B030D-6E8A-4147-A177-3AD203B41FA5}">
+                      <a16:colId xmlns:a16="http://schemas.microsoft.com/office/drawing/2014/main" val="1459892759"/>
+                    </a:ext>
+                  </a:extLst>
+                </a:gridCol>
+                <a:gridCol w="1625600">
+                  <a:extLst>
+                    <a:ext uri="{9D8B030D-6E8A-4147-A177-3AD203B41FA5}">
+                      <a16:colId xmlns:a16="http://schemas.microsoft.com/office/drawing/2014/main" val="1200751326"/>
+                    </a:ext>
+                  </a:extLst>
+                </a:gridCol>
+                <a:gridCol w="1625600">
+                  <a:extLst>
+                    <a:ext uri="{9D8B030D-6E8A-4147-A177-3AD203B41FA5}">
+                      <a16:colId xmlns:a16="http://schemas.microsoft.com/office/drawing/2014/main" val="3799208621"/>
+                    </a:ext>
+                  </a:extLst>
+                </a:gridCol>
+              </a:tblGrid>
+              <a:tr h="294093">
+                <a:tc>
+                  <a:txBody>
+                    <a:bodyPr/>
+                    <a:lstStyle/>
+                    <a:p>
+                      <a:pPr algn="ctr"/>
+                      <a:r>
+                        <a:rPr lang="en-US" b="1" dirty="0"/>
+                        <a:t>Asteroid</a:t>
+                      </a:r>
+                    </a:p>
+                  </a:txBody>
+                  <a:tcPr/>
+                </a:tc>
+                <a:tc>
+                  <a:txBody>
+                    <a:bodyPr/>
+                    <a:lstStyle/>
+                    <a:p>
+                      <a:pPr algn="ctr"/>
+                      <a:r>
+                        <a:rPr lang="en-US" dirty="0"/>
+                        <a:t>Vesta</a:t>
+                      </a:r>
+                    </a:p>
+                  </a:txBody>
+                  <a:tcPr/>
+                </a:tc>
+                <a:tc>
+                  <a:txBody>
+                    <a:bodyPr/>
+                    <a:lstStyle/>
+                    <a:p>
+                      <a:pPr algn="ctr"/>
+                      <a:r>
+                        <a:rPr lang="en-US" dirty="0"/>
+                        <a:t>Hygiea</a:t>
+                      </a:r>
+                    </a:p>
+                  </a:txBody>
+                  <a:tcPr/>
+                </a:tc>
+                <a:tc>
+                  <a:txBody>
+                    <a:bodyPr/>
+                    <a:lstStyle/>
+                    <a:p>
+                      <a:pPr algn="ctr"/>
+                      <a:r>
+                        <a:rPr lang="en-US" dirty="0"/>
+                        <a:t>Pallas</a:t>
+                      </a:r>
+                    </a:p>
+                  </a:txBody>
+                  <a:tcPr/>
+                </a:tc>
+                <a:tc>
+                  <a:txBody>
+                    <a:bodyPr/>
+                    <a:lstStyle/>
+                    <a:p>
+                      <a:pPr algn="ctr"/>
+                      <a:r>
+                        <a:rPr lang="en-US" dirty="0"/>
+                        <a:t>Ceres</a:t>
+                      </a:r>
+                    </a:p>
+                  </a:txBody>
+                  <a:tcPr/>
+                </a:tc>
+                <a:extLst>
+                  <a:ext uri="{0D108BD9-81ED-4DB2-BD59-A6C34878D82A}">
+                    <a16:rowId xmlns:a16="http://schemas.microsoft.com/office/drawing/2014/main" val="3609992459"/>
+                  </a:ext>
+                </a:extLst>
+              </a:tr>
+              <a:tr h="370840">
+                <a:tc>
+                  <a:txBody>
+                    <a:bodyPr/>
+                    <a:lstStyle/>
+                    <a:p>
+                      <a:pPr algn="ctr"/>
+                      <a:r>
+                        <a:rPr lang="en-US" b="1" dirty="0"/>
+                        <a:t>Vesta</a:t>
+                      </a:r>
+                    </a:p>
+                  </a:txBody>
+                  <a:tcPr/>
+                </a:tc>
+                <a:tc>
+                  <a:txBody>
+                    <a:bodyPr/>
+                    <a:lstStyle/>
+                    <a:p>
+                      <a:pPr algn="ctr"/>
+                      <a:r>
+                        <a:rPr lang="en-US" dirty="0"/>
+                        <a:t>-</a:t>
+                      </a:r>
+                    </a:p>
+                  </a:txBody>
+                  <a:tcPr/>
+                </a:tc>
+                <a:tc>
+                  <a:txBody>
+                    <a:bodyPr/>
+                    <a:lstStyle/>
+                    <a:p>
+                      <a:pPr algn="ctr"/>
+                      <a:r>
+                        <a:rPr lang="en-US" dirty="0"/>
+                        <a:t>30</a:t>
+                      </a:r>
+                    </a:p>
+                  </a:txBody>
+                  <a:tcPr/>
+                </a:tc>
+                <a:tc>
+                  <a:txBody>
+                    <a:bodyPr/>
+                    <a:lstStyle/>
+                    <a:p>
+                      <a:pPr algn="ctr"/>
+                      <a:r>
+                        <a:rPr lang="en-US" dirty="0"/>
+                        <a:t>12</a:t>
+                      </a:r>
+                    </a:p>
+                  </a:txBody>
+                  <a:tcPr/>
+                </a:tc>
+                <a:tc>
+                  <a:txBody>
+                    <a:bodyPr/>
+                    <a:lstStyle/>
+                    <a:p>
+                      <a:pPr algn="ctr"/>
+                      <a:r>
+                        <a:rPr lang="en-US" dirty="0"/>
+                        <a:t>20</a:t>
+                      </a:r>
+                    </a:p>
+                  </a:txBody>
+                  <a:tcPr/>
+                </a:tc>
+                <a:extLst>
+                  <a:ext uri="{0D108BD9-81ED-4DB2-BD59-A6C34878D82A}">
+                    <a16:rowId xmlns:a16="http://schemas.microsoft.com/office/drawing/2014/main" val="2738762858"/>
+                  </a:ext>
+                </a:extLst>
+              </a:tr>
+              <a:tr h="370840">
+                <a:tc>
+                  <a:txBody>
+                    <a:bodyPr/>
+                    <a:lstStyle/>
+                    <a:p>
+                      <a:pPr algn="ctr"/>
+                      <a:r>
+                        <a:rPr lang="en-US" b="1" dirty="0"/>
+                        <a:t>Hygiea</a:t>
+                      </a:r>
+                    </a:p>
+                  </a:txBody>
+                  <a:tcPr/>
+                </a:tc>
+                <a:tc>
+                  <a:txBody>
+                    <a:bodyPr/>
+                    <a:lstStyle/>
+                    <a:p>
+                      <a:pPr algn="ctr"/>
+                      <a:r>
+                        <a:rPr lang="en-US" dirty="0"/>
+                        <a:t>30</a:t>
+                      </a:r>
+                    </a:p>
+                  </a:txBody>
+                  <a:tcPr/>
+                </a:tc>
+                <a:tc>
+                  <a:txBody>
+                    <a:bodyPr/>
+                    <a:lstStyle/>
+                    <a:p>
+                      <a:pPr algn="ctr"/>
+                      <a:r>
+                        <a:rPr lang="en-US" dirty="0"/>
+                        <a:t>-</a:t>
+                      </a:r>
+                    </a:p>
+                  </a:txBody>
+                  <a:tcPr/>
+                </a:tc>
+                <a:tc>
+                  <a:txBody>
+                    <a:bodyPr/>
+                    <a:lstStyle/>
+                    <a:p>
+                      <a:pPr algn="ctr"/>
+                      <a:r>
+                        <a:rPr lang="en-US" dirty="0"/>
+                        <a:t>18</a:t>
+                      </a:r>
+                    </a:p>
+                  </a:txBody>
+                  <a:tcPr/>
+                </a:tc>
+                <a:tc>
+                  <a:txBody>
+                    <a:bodyPr/>
+                    <a:lstStyle/>
+                    <a:p>
+                      <a:pPr algn="ctr"/>
+                      <a:r>
+                        <a:rPr lang="en-US" dirty="0"/>
+                        <a:t>26</a:t>
+                      </a:r>
+                    </a:p>
+                  </a:txBody>
+                  <a:tcPr/>
+                </a:tc>
+                <a:extLst>
+                  <a:ext uri="{0D108BD9-81ED-4DB2-BD59-A6C34878D82A}">
+                    <a16:rowId xmlns:a16="http://schemas.microsoft.com/office/drawing/2014/main" val="3770625073"/>
+                  </a:ext>
+                </a:extLst>
+              </a:tr>
+              <a:tr h="370840">
+                <a:tc>
+                  <a:txBody>
+                    <a:bodyPr/>
+                    <a:lstStyle/>
+                    <a:p>
+                      <a:pPr algn="ctr"/>
+                      <a:r>
+                        <a:rPr lang="en-US" b="1" dirty="0"/>
+                        <a:t>Pallas</a:t>
+                      </a:r>
+                    </a:p>
+                  </a:txBody>
+                  <a:tcPr/>
+                </a:tc>
+                <a:tc>
+                  <a:txBody>
+                    <a:bodyPr/>
+                    <a:lstStyle/>
+                    <a:p>
+                      <a:pPr algn="ctr"/>
+                      <a:r>
+                        <a:rPr lang="en-US" dirty="0"/>
+                        <a:t>12</a:t>
+                      </a:r>
+                    </a:p>
+                  </a:txBody>
+                  <a:tcPr/>
+                </a:tc>
+                <a:tc>
+                  <a:txBody>
+                    <a:bodyPr/>
+                    <a:lstStyle/>
+                    <a:p>
+                      <a:pPr algn="ctr"/>
+                      <a:r>
+                        <a:rPr lang="en-US" dirty="0"/>
+                        <a:t>18</a:t>
+                      </a:r>
+                    </a:p>
+                  </a:txBody>
+                  <a:tcPr/>
+                </a:tc>
+                <a:tc>
+                  <a:txBody>
+                    <a:bodyPr/>
+                    <a:lstStyle/>
+                    <a:p>
+                      <a:pPr algn="ctr"/>
+                      <a:r>
+                        <a:rPr lang="en-US" dirty="0"/>
+                        <a:t>-</a:t>
+                      </a:r>
+                    </a:p>
+                  </a:txBody>
+                  <a:tcPr/>
+                </a:tc>
+                <a:tc>
+                  <a:txBody>
+                    <a:bodyPr/>
+                    <a:lstStyle/>
+                    <a:p>
+                      <a:pPr algn="ctr"/>
+                      <a:r>
+                        <a:rPr lang="en-US" dirty="0"/>
+                        <a:t>24</a:t>
+                      </a:r>
+                    </a:p>
+                  </a:txBody>
+                  <a:tcPr/>
+                </a:tc>
+                <a:extLst>
+                  <a:ext uri="{0D108BD9-81ED-4DB2-BD59-A6C34878D82A}">
+                    <a16:rowId xmlns:a16="http://schemas.microsoft.com/office/drawing/2014/main" val="3249050652"/>
+                  </a:ext>
+                </a:extLst>
+              </a:tr>
+              <a:tr h="370840">
+                <a:tc>
+                  <a:txBody>
+                    <a:bodyPr/>
+                    <a:lstStyle/>
+                    <a:p>
+                      <a:pPr algn="ctr"/>
+                      <a:r>
+                        <a:rPr lang="en-US" b="1" dirty="0"/>
+                        <a:t>Ceres</a:t>
+                      </a:r>
+                    </a:p>
+                  </a:txBody>
+                  <a:tcPr/>
+                </a:tc>
+                <a:tc>
+                  <a:txBody>
+                    <a:bodyPr/>
+                    <a:lstStyle/>
+                    <a:p>
+                      <a:pPr algn="ctr"/>
+                      <a:r>
+                        <a:rPr lang="en-US" dirty="0"/>
+                        <a:t>20</a:t>
+                      </a:r>
+                    </a:p>
+                  </a:txBody>
+                  <a:tcPr/>
+                </a:tc>
+                <a:tc>
+                  <a:txBody>
+                    <a:bodyPr/>
+                    <a:lstStyle/>
+                    <a:p>
+                      <a:pPr algn="ctr"/>
+                      <a:r>
+                        <a:rPr lang="en-US" dirty="0"/>
+                        <a:t>26</a:t>
+                      </a:r>
+                    </a:p>
+                  </a:txBody>
+                  <a:tcPr/>
+                </a:tc>
+                <a:tc>
+                  <a:txBody>
+                    <a:bodyPr/>
+                    <a:lstStyle/>
+                    <a:p>
+                      <a:pPr algn="ctr"/>
+                      <a:r>
+                        <a:rPr lang="en-US" dirty="0"/>
+                        <a:t>24</a:t>
+                      </a:r>
+                    </a:p>
+                  </a:txBody>
+                  <a:tcPr/>
+                </a:tc>
+                <a:tc>
+                  <a:txBody>
+                    <a:bodyPr/>
+                    <a:lstStyle/>
+                    <a:p>
+                      <a:pPr algn="ctr"/>
+                      <a:r>
+                        <a:rPr lang="en-US" dirty="0"/>
+                        <a:t>-</a:t>
+                      </a:r>
+                    </a:p>
+                  </a:txBody>
+                  <a:tcPr/>
+                </a:tc>
+                <a:extLst>
+                  <a:ext uri="{0D108BD9-81ED-4DB2-BD59-A6C34878D82A}">
+                    <a16:rowId xmlns:a16="http://schemas.microsoft.com/office/drawing/2014/main" val="3899100833"/>
+                  </a:ext>
+                </a:extLst>
+              </a:tr>
+            </a:tbl>
+          </a:graphicData>
+        </a:graphic>
+      </p:graphicFrame>
     </p:spTree>
     <p:extLst>
       <p:ext uri="{BB962C8B-B14F-4D97-AF65-F5344CB8AC3E}">
-        <p14:creationId xmlns:p14="http://schemas.microsoft.com/office/powerpoint/2010/main" val="1914307996"/>
+        <p14:creationId xmlns:p14="http://schemas.microsoft.com/office/powerpoint/2010/main" val="4113311889"/>
       </p:ext>
     </p:extLst>
   </p:cSld>
@@ -9019,7 +9532,7 @@
                 </a:solidFill>
                 <a:latin typeface="Bodoni MT" panose="02070603080606020203" pitchFamily="18" charset="0"/>
               </a:rPr>
-              <a:t>Ex: Oakdale School Busing</a:t>
+              <a:t>Ex: The Expanse</a:t>
             </a:r>
           </a:p>
         </p:txBody>
@@ -9593,8 +10106,8 @@
         </p:nvSpPr>
         <p:spPr>
           <a:xfrm>
-            <a:off x="773935" y="1927420"/>
-            <a:ext cx="8859163" cy="5016758"/>
+            <a:off x="773935" y="1947592"/>
+            <a:ext cx="8859163" cy="3477875"/>
           </a:xfrm>
           <a:prstGeom prst="rect">
             <a:avLst/>
@@ -9618,7 +10131,7 @@
                 </a:solidFill>
                 <a:latin typeface="Corbel" panose="020B0503020204020204" pitchFamily="34" charset="0"/>
               </a:rPr>
-              <a:t>Act III</a:t>
+              <a:t>Act II</a:t>
             </a:r>
           </a:p>
           <a:p>
@@ -9633,71 +10146,7 @@
                 </a:solidFill>
                 <a:latin typeface="Corbel" panose="020B0503020204020204" pitchFamily="34" charset="0"/>
               </a:rPr>
-              <a:t>“I’ll tell you another thing I don’t want to see happen, and that’s more overcrowding at North High School. We have 100 students more than capacity now.” – BP</a:t>
-            </a:r>
-          </a:p>
-          <a:p>
-            <a:pPr marL="742950" lvl="1" indent="-285750">
-              <a:buFont typeface="Arial" panose="020B0604020202020204" pitchFamily="34" charset="0"/>
-              <a:buChar char="•"/>
-            </a:pPr>
-            <a:r>
-              <a:rPr lang="en-US" sz="2000" dirty="0">
-                <a:solidFill>
-                  <a:srgbClr val="11B29F"/>
-                </a:solidFill>
-                <a:latin typeface="Corbel" panose="020B0503020204020204" pitchFamily="34" charset="0"/>
-              </a:rPr>
-              <a:t>“You think you have problems! In East, we have 1,450 students and a capacity of 1,000. I think no overcrowding is a great idea!” – BW </a:t>
-            </a:r>
-          </a:p>
-          <a:p>
-            <a:pPr marL="742950" lvl="1" indent="-285750">
-              <a:buFont typeface="Arial" panose="020B0604020202020204" pitchFamily="34" charset="0"/>
-              <a:buChar char="•"/>
-            </a:pPr>
-            <a:r>
-              <a:rPr lang="en-US" sz="2000" dirty="0">
-                <a:solidFill>
-                  <a:schemeClr val="accent4">
-                    <a:lumMod val="75000"/>
-                  </a:schemeClr>
-                </a:solidFill>
-                <a:latin typeface="Corbel" panose="020B0503020204020204" pitchFamily="34" charset="0"/>
-              </a:rPr>
-              <a:t>“I agree. We’re 250 over our capacity at South High School” – MG</a:t>
-            </a:r>
-          </a:p>
-          <a:p>
-            <a:pPr marL="742950" lvl="1" indent="-285750">
-              <a:buFont typeface="Arial" panose="020B0604020202020204" pitchFamily="34" charset="0"/>
-              <a:buChar char="•"/>
-            </a:pPr>
-            <a:r>
-              <a:rPr lang="en-US" sz="2000" dirty="0">
-                <a:solidFill>
-                  <a:schemeClr val="accent1">
-                    <a:lumMod val="75000"/>
-                  </a:schemeClr>
-                </a:solidFill>
-                <a:latin typeface="Corbel" panose="020B0503020204020204" pitchFamily="34" charset="0"/>
-              </a:rPr>
-              <a:t>“That’s a nice idea, and I realize that we have 200 students less than our capacity at West High School. However, let’s face it, in  the county we have capacity for 4,400, not 5,000, students, so there’s going to be some overcrowding. I think our objective should be that all 4 schools should share in the overcrowding proportionally.” – JC</a:t>
-            </a:r>
-          </a:p>
-          <a:p>
-            <a:pPr marL="742950" lvl="1" indent="-285750">
-              <a:buFont typeface="Arial" panose="020B0604020202020204" pitchFamily="34" charset="0"/>
-              <a:buChar char="•"/>
-            </a:pPr>
-            <a:r>
-              <a:rPr lang="en-US" sz="2000" dirty="0">
-                <a:solidFill>
-                  <a:srgbClr val="404040"/>
-                </a:solidFill>
-                <a:latin typeface="Corbel" panose="020B0503020204020204" pitchFamily="34" charset="0"/>
-              </a:rPr>
-              <a:t>“That sounds reasonable to me. How about the rest of you? Okay to say our number three goal is to be as close to capacity at each school as possible but share proportionally in the overcrowding”</a:t>
+              <a:t>“Why not set reasonable objectives for total miles, for the peoples’ sake and for budgeting reasons? I would suggest about 30,000 million miles of total travel at max. If we get much higher than that we’re not going to have the money to pay for it, and it means we’ll be moving people all over the place.” – CW</a:t>
             </a:r>
           </a:p>
           <a:p>
@@ -9714,8 +10163,56 @@
                 </a:solidFill>
                 <a:latin typeface="Corbel" panose="020B0503020204020204" pitchFamily="34" charset="0"/>
               </a:rPr>
-              <a:t>They voice their approval by joining hands and singing</a:t>
+              <a:t>They all nod in agreement like a bunch of bobbleheads</a:t>
             </a:r>
+          </a:p>
+          <a:p>
+            <a:pPr marL="742950" lvl="1" indent="-285750">
+              <a:buFont typeface="Arial" panose="020B0604020202020204" pitchFamily="34" charset="0"/>
+              <a:buChar char="•"/>
+            </a:pPr>
+            <a:r>
+              <a:rPr lang="en-US" sz="2000" dirty="0">
+                <a:solidFill>
+                  <a:srgbClr val="404040"/>
+                </a:solidFill>
+                <a:latin typeface="Corbel" panose="020B0503020204020204" pitchFamily="34" charset="0"/>
+              </a:rPr>
+              <a:t>“Okay, that’ll be our number two goal.” – FH</a:t>
+            </a:r>
+          </a:p>
+          <a:p>
+            <a:pPr marL="285750" indent="-285750">
+              <a:buFont typeface="Arial" panose="020B0604020202020204" pitchFamily="34" charset="0"/>
+              <a:buChar char="•"/>
+            </a:pPr>
+            <a:endParaRPr lang="en-US" sz="2000" dirty="0">
+              <a:solidFill>
+                <a:srgbClr val="404040"/>
+              </a:solidFill>
+              <a:latin typeface="Corbel" panose="020B0503020204020204" pitchFamily="34" charset="0"/>
+            </a:endParaRPr>
+          </a:p>
+          <a:p>
+            <a:pPr marL="285750" indent="-285750">
+              <a:buFont typeface="Arial" panose="020B0604020202020204" pitchFamily="34" charset="0"/>
+              <a:buChar char="•"/>
+            </a:pPr>
+            <a:r>
+              <a:rPr lang="en-US" sz="2000" dirty="0">
+                <a:solidFill>
+                  <a:srgbClr val="404040"/>
+                </a:solidFill>
+                <a:latin typeface="Corbel" panose="020B0503020204020204" pitchFamily="34" charset="0"/>
+              </a:rPr>
+              <a:t>Intermission II</a:t>
+            </a:r>
+          </a:p>
+          <a:p>
+            <a:pPr marL="742950" lvl="1" indent="-285750">
+              <a:buFont typeface="Arial" panose="020B0604020202020204" pitchFamily="34" charset="0"/>
+              <a:buChar char="•"/>
+            </a:pPr>
             <a:endParaRPr lang="en-US" sz="2000" dirty="0">
               <a:solidFill>
                 <a:srgbClr val="404040"/>
@@ -9845,7 +10342,7 @@
     </p:spTree>
     <p:extLst>
       <p:ext uri="{BB962C8B-B14F-4D97-AF65-F5344CB8AC3E}">
-        <p14:creationId xmlns:p14="http://schemas.microsoft.com/office/powerpoint/2010/main" val="2096891172"/>
+        <p14:creationId xmlns:p14="http://schemas.microsoft.com/office/powerpoint/2010/main" val="1914307996"/>
       </p:ext>
     </p:extLst>
   </p:cSld>
@@ -10052,7 +10549,7 @@
                 </a:solidFill>
                 <a:latin typeface="Bodoni MT" panose="02070603080606020203" pitchFamily="18" charset="0"/>
               </a:rPr>
-              <a:t>Ex: Oakdale School Busing</a:t>
+              <a:t>Ex: The Expanse</a:t>
             </a:r>
           </a:p>
         </p:txBody>
@@ -10626,7 +11123,7 @@
         </p:nvSpPr>
         <p:spPr>
           <a:xfrm>
-            <a:off x="773935" y="1947592"/>
+            <a:off x="773935" y="1927420"/>
             <a:ext cx="8859163" cy="4708981"/>
           </a:xfrm>
           <a:prstGeom prst="rect">
@@ -10662,13 +11159,1046 @@
             <a:r>
               <a:rPr lang="en-US" sz="2000" dirty="0">
                 <a:solidFill>
+                  <a:srgbClr val="A71B86"/>
+                </a:solidFill>
+                <a:latin typeface="Corbel" panose="020B0503020204020204" pitchFamily="34" charset="0"/>
+              </a:rPr>
+              <a:t>“I’ll tell you another thing I don’t want to see happen, and that’s more overcrowding at Vesta. We have 100 people more than capacity now.” – BP</a:t>
+            </a:r>
+          </a:p>
+          <a:p>
+            <a:pPr marL="742950" lvl="1" indent="-285750">
+              <a:buFont typeface="Arial" panose="020B0604020202020204" pitchFamily="34" charset="0"/>
+              <a:buChar char="•"/>
+            </a:pPr>
+            <a:r>
+              <a:rPr lang="en-US" sz="2000" dirty="0">
+                <a:solidFill>
+                  <a:srgbClr val="11B29F"/>
+                </a:solidFill>
+                <a:latin typeface="Corbel" panose="020B0503020204020204" pitchFamily="34" charset="0"/>
+              </a:rPr>
+              <a:t>“You think you have problems! In Pallas, we have 1,450 people and a capacity of 1,000. I think no overcrowding is a great idea!” – BW </a:t>
+            </a:r>
+          </a:p>
+          <a:p>
+            <a:pPr marL="742950" lvl="1" indent="-285750">
+              <a:buFont typeface="Arial" panose="020B0604020202020204" pitchFamily="34" charset="0"/>
+              <a:buChar char="•"/>
+            </a:pPr>
+            <a:r>
+              <a:rPr lang="en-US" sz="2000" dirty="0">
+                <a:solidFill>
+                  <a:schemeClr val="accent4">
+                    <a:lumMod val="75000"/>
+                  </a:schemeClr>
+                </a:solidFill>
+                <a:latin typeface="Corbel" panose="020B0503020204020204" pitchFamily="34" charset="0"/>
+              </a:rPr>
+              <a:t>“I agree. We’re 250 over our capacity at Hygiea” – MG</a:t>
+            </a:r>
+          </a:p>
+          <a:p>
+            <a:pPr marL="742950" lvl="1" indent="-285750">
+              <a:buFont typeface="Arial" panose="020B0604020202020204" pitchFamily="34" charset="0"/>
+              <a:buChar char="•"/>
+            </a:pPr>
+            <a:r>
+              <a:rPr lang="en-US" sz="2000" dirty="0">
+                <a:solidFill>
                   <a:schemeClr val="accent1">
                     <a:lumMod val="75000"/>
                   </a:schemeClr>
                 </a:solidFill>
                 <a:latin typeface="Corbel" panose="020B0503020204020204" pitchFamily="34" charset="0"/>
               </a:rPr>
-              <a:t>“Well, I think we have identified the things we want to accomplish in our plan.  Now, if we could just use some magic trick to find for busing students between the districts that would achieve all these goals.” – JC</a:t>
+              <a:t>“That’s a nice idea, and I realize that we have 200 people less than our capacity at Ceres. However, let’s face it, across the asteroids we have capacity for 4,400, not 5,000, people, so there’s going to be some overcrowding. I think our objective should be that all 4 asteroids should share in the overcrowding proportionally.” – CW</a:t>
+            </a:r>
+          </a:p>
+          <a:p>
+            <a:pPr marL="742950" lvl="1" indent="-285750">
+              <a:buFont typeface="Arial" panose="020B0604020202020204" pitchFamily="34" charset="0"/>
+              <a:buChar char="•"/>
+            </a:pPr>
+            <a:r>
+              <a:rPr lang="en-US" sz="2000" dirty="0">
+                <a:solidFill>
+                  <a:srgbClr val="404040"/>
+                </a:solidFill>
+                <a:latin typeface="Corbel" panose="020B0503020204020204" pitchFamily="34" charset="0"/>
+              </a:rPr>
+              <a:t>“That sounds reasonable to me. How about the rest of you? Okay to say our number three goal is to be as close to capacity at each asteroid as possible but share proportionally in the overcrowding” - FH</a:t>
+            </a:r>
+          </a:p>
+          <a:p>
+            <a:pPr marL="742950" lvl="1" indent="-285750">
+              <a:buFont typeface="Arial" panose="020B0604020202020204" pitchFamily="34" charset="0"/>
+              <a:buChar char="•"/>
+            </a:pPr>
+            <a:r>
+              <a:rPr lang="en-US" sz="2000" i="1" dirty="0">
+                <a:solidFill>
+                  <a:schemeClr val="bg1">
+                    <a:lumMod val="50000"/>
+                  </a:schemeClr>
+                </a:solidFill>
+                <a:latin typeface="Corbel" panose="020B0503020204020204" pitchFamily="34" charset="0"/>
+              </a:rPr>
+              <a:t>They voice their approval by joining hands and singing</a:t>
+            </a:r>
+            <a:endParaRPr lang="en-US" sz="2000" dirty="0">
+              <a:solidFill>
+                <a:srgbClr val="404040"/>
+              </a:solidFill>
+              <a:latin typeface="Corbel" panose="020B0503020204020204" pitchFamily="34" charset="0"/>
+            </a:endParaRPr>
+          </a:p>
+        </p:txBody>
+      </p:sp>
+      <p:pic>
+        <p:nvPicPr>
+          <p:cNvPr id="37" name="Graphic 36" descr="Palm tree">
+            <a:extLst>
+              <a:ext uri="{FF2B5EF4-FFF2-40B4-BE49-F238E27FC236}">
+                <a16:creationId xmlns:a16="http://schemas.microsoft.com/office/drawing/2014/main" id="{79F2EC1B-9713-4CCF-8301-82ED265F3940}"/>
+              </a:ext>
+            </a:extLst>
+          </p:cNvPr>
+          <p:cNvPicPr>
+            <a:picLocks noChangeAspect="1"/>
+          </p:cNvPicPr>
+          <p:nvPr/>
+        </p:nvPicPr>
+        <p:blipFill>
+          <a:blip r:embed="rId4">
+            <a:extLst>
+              <a:ext uri="{28A0092B-C50C-407E-A947-70E740481C1C}">
+                <a14:useLocalDpi xmlns:a14="http://schemas.microsoft.com/office/drawing/2010/main" val="0"/>
+              </a:ext>
+              <a:ext uri="{96DAC541-7B7A-43D3-8B79-37D633B846F1}">
+                <asvg:svgBlip xmlns:asvg="http://schemas.microsoft.com/office/drawing/2016/SVG/main" r:embed="rId5"/>
+              </a:ext>
+            </a:extLst>
+          </a:blip>
+          <a:stretch>
+            <a:fillRect/>
+          </a:stretch>
+        </p:blipFill>
+        <p:spPr>
+          <a:xfrm>
+            <a:off x="8964994" y="809490"/>
+            <a:ext cx="914400" cy="914400"/>
+          </a:xfrm>
+          <a:prstGeom prst="rect">
+            <a:avLst/>
+          </a:prstGeom>
+        </p:spPr>
+      </p:pic>
+      <p:pic>
+        <p:nvPicPr>
+          <p:cNvPr id="38" name="Graphic 37" descr="Palm tree">
+            <a:extLst>
+              <a:ext uri="{FF2B5EF4-FFF2-40B4-BE49-F238E27FC236}">
+                <a16:creationId xmlns:a16="http://schemas.microsoft.com/office/drawing/2014/main" id="{11C9CA6F-B5F0-4837-8E50-85C201ADA4F1}"/>
+              </a:ext>
+            </a:extLst>
+          </p:cNvPr>
+          <p:cNvPicPr>
+            <a:picLocks noChangeAspect="1"/>
+          </p:cNvPicPr>
+          <p:nvPr/>
+        </p:nvPicPr>
+        <p:blipFill>
+          <a:blip r:embed="rId4">
+            <a:extLst>
+              <a:ext uri="{28A0092B-C50C-407E-A947-70E740481C1C}">
+                <a14:useLocalDpi xmlns:a14="http://schemas.microsoft.com/office/drawing/2010/main" val="0"/>
+              </a:ext>
+              <a:ext uri="{96DAC541-7B7A-43D3-8B79-37D633B846F1}">
+                <asvg:svgBlip xmlns:asvg="http://schemas.microsoft.com/office/drawing/2016/SVG/main" r:embed="rId5"/>
+              </a:ext>
+            </a:extLst>
+          </a:blip>
+          <a:stretch>
+            <a:fillRect/>
+          </a:stretch>
+        </p:blipFill>
+        <p:spPr>
+          <a:xfrm>
+            <a:off x="8834542" y="1142112"/>
+            <a:ext cx="553133" cy="553133"/>
+          </a:xfrm>
+          <a:prstGeom prst="rect">
+            <a:avLst/>
+          </a:prstGeom>
+        </p:spPr>
+      </p:pic>
+      <p:pic>
+        <p:nvPicPr>
+          <p:cNvPr id="39" name="Graphic 38" descr="Palm tree">
+            <a:extLst>
+              <a:ext uri="{FF2B5EF4-FFF2-40B4-BE49-F238E27FC236}">
+                <a16:creationId xmlns:a16="http://schemas.microsoft.com/office/drawing/2014/main" id="{585AC1AD-01C8-4E2D-8361-4BEA62A48584}"/>
+              </a:ext>
+            </a:extLst>
+          </p:cNvPr>
+          <p:cNvPicPr>
+            <a:picLocks noChangeAspect="1"/>
+          </p:cNvPicPr>
+          <p:nvPr/>
+        </p:nvPicPr>
+        <p:blipFill>
+          <a:blip r:embed="rId4">
+            <a:extLst>
+              <a:ext uri="{28A0092B-C50C-407E-A947-70E740481C1C}">
+                <a14:useLocalDpi xmlns:a14="http://schemas.microsoft.com/office/drawing/2010/main" val="0"/>
+              </a:ext>
+              <a:ext uri="{96DAC541-7B7A-43D3-8B79-37D633B846F1}">
+                <asvg:svgBlip xmlns:asvg="http://schemas.microsoft.com/office/drawing/2016/SVG/main" r:embed="rId5"/>
+              </a:ext>
+            </a:extLst>
+          </a:blip>
+          <a:stretch>
+            <a:fillRect/>
+          </a:stretch>
+        </p:blipFill>
+        <p:spPr>
+          <a:xfrm>
+            <a:off x="9387675" y="1277468"/>
+            <a:ext cx="404329" cy="404329"/>
+          </a:xfrm>
+          <a:prstGeom prst="rect">
+            <a:avLst/>
+          </a:prstGeom>
+        </p:spPr>
+      </p:pic>
+    </p:spTree>
+    <p:extLst>
+      <p:ext uri="{BB962C8B-B14F-4D97-AF65-F5344CB8AC3E}">
+        <p14:creationId xmlns:p14="http://schemas.microsoft.com/office/powerpoint/2010/main" val="2096891172"/>
+      </p:ext>
+    </p:extLst>
+  </p:cSld>
+  <p:clrMapOvr>
+    <a:masterClrMapping/>
+  </p:clrMapOvr>
+</p:sld>
+</file>
+
+<file path=ppt/slides/slide15.xml><?xml version="1.0" encoding="utf-8"?>
+<p:sld xmlns:a="http://schemas.openxmlformats.org/drawingml/2006/main" xmlns:r="http://schemas.openxmlformats.org/officeDocument/2006/relationships" xmlns:p="http://schemas.openxmlformats.org/presentationml/2006/main">
+  <p:cSld>
+    <p:spTree>
+      <p:nvGrpSpPr>
+        <p:cNvPr id="1" name=""/>
+        <p:cNvGrpSpPr/>
+        <p:nvPr/>
+      </p:nvGrpSpPr>
+      <p:grpSpPr>
+        <a:xfrm>
+          <a:off x="0" y="0"/>
+          <a:ext cx="0" cy="0"/>
+          <a:chOff x="0" y="0"/>
+          <a:chExt cx="0" cy="0"/>
+        </a:xfrm>
+      </p:grpSpPr>
+      <p:sp>
+        <p:nvSpPr>
+          <p:cNvPr id="28" name="Rectangle 27">
+            <a:extLst>
+              <a:ext uri="{FF2B5EF4-FFF2-40B4-BE49-F238E27FC236}">
+                <a16:creationId xmlns:a16="http://schemas.microsoft.com/office/drawing/2014/main" id="{1568D3DA-67F7-464C-95FF-D7D56F4038D6}"/>
+              </a:ext>
+            </a:extLst>
+          </p:cNvPr>
+          <p:cNvSpPr/>
+          <p:nvPr/>
+        </p:nvSpPr>
+        <p:spPr>
+          <a:xfrm rot="19800000">
+            <a:off x="-597297" y="674901"/>
+            <a:ext cx="4026751" cy="269178"/>
+          </a:xfrm>
+          <a:prstGeom prst="rect">
+            <a:avLst/>
+          </a:prstGeom>
+          <a:solidFill>
+            <a:srgbClr val="A71B86"/>
+          </a:solidFill>
+          <a:ln>
+            <a:noFill/>
+          </a:ln>
+        </p:spPr>
+        <p:style>
+          <a:lnRef idx="2">
+            <a:schemeClr val="accent1">
+              <a:shade val="50000"/>
+            </a:schemeClr>
+          </a:lnRef>
+          <a:fillRef idx="1">
+            <a:schemeClr val="accent1"/>
+          </a:fillRef>
+          <a:effectRef idx="0">
+            <a:schemeClr val="accent1"/>
+          </a:effectRef>
+          <a:fontRef idx="minor">
+            <a:schemeClr val="lt1"/>
+          </a:fontRef>
+        </p:style>
+        <p:txBody>
+          <a:bodyPr rtlCol="0" anchor="ctr"/>
+          <a:lstStyle/>
+          <a:p>
+            <a:pPr algn="ctr"/>
+            <a:endParaRPr lang="en-US"/>
+          </a:p>
+        </p:txBody>
+      </p:sp>
+      <p:pic>
+        <p:nvPicPr>
+          <p:cNvPr id="11" name="Picture 10" descr="A large body of water&#10;&#10;Description automatically generated">
+            <a:extLst>
+              <a:ext uri="{FF2B5EF4-FFF2-40B4-BE49-F238E27FC236}">
+                <a16:creationId xmlns:a16="http://schemas.microsoft.com/office/drawing/2014/main" id="{B83B0471-BE25-41B4-B185-53BEB6528B89}"/>
+              </a:ext>
+            </a:extLst>
+          </p:cNvPr>
+          <p:cNvPicPr>
+            <a:picLocks noChangeAspect="1"/>
+          </p:cNvPicPr>
+          <p:nvPr/>
+        </p:nvPicPr>
+        <p:blipFill rotWithShape="1">
+          <a:blip r:embed="rId2">
+            <a:alphaModFix amt="20000"/>
+            <a:extLst>
+              <a:ext uri="{28A0092B-C50C-407E-A947-70E740481C1C}">
+                <a14:useLocalDpi xmlns:a14="http://schemas.microsoft.com/office/drawing/2010/main" val="0"/>
+              </a:ext>
+            </a:extLst>
+          </a:blip>
+          <a:srcRect t="34654" b="43573"/>
+          <a:stretch/>
+        </p:blipFill>
+        <p:spPr>
+          <a:xfrm>
+            <a:off x="773935" y="442465"/>
+            <a:ext cx="9018070" cy="1308226"/>
+          </a:xfrm>
+          <a:prstGeom prst="rect">
+            <a:avLst/>
+          </a:prstGeom>
+        </p:spPr>
+      </p:pic>
+      <p:sp>
+        <p:nvSpPr>
+          <p:cNvPr id="34" name="Rectangle 33">
+            <a:extLst>
+              <a:ext uri="{FF2B5EF4-FFF2-40B4-BE49-F238E27FC236}">
+                <a16:creationId xmlns:a16="http://schemas.microsoft.com/office/drawing/2014/main" id="{BFE7775A-1FAD-4E84-8B9E-DA4B39640B5E}"/>
+              </a:ext>
+            </a:extLst>
+          </p:cNvPr>
+          <p:cNvSpPr/>
+          <p:nvPr/>
+        </p:nvSpPr>
+        <p:spPr>
+          <a:xfrm rot="19800000">
+            <a:off x="9089102" y="5937184"/>
+            <a:ext cx="4026751" cy="269178"/>
+          </a:xfrm>
+          <a:prstGeom prst="rect">
+            <a:avLst/>
+          </a:prstGeom>
+          <a:solidFill>
+            <a:srgbClr val="A71B86"/>
+          </a:solidFill>
+          <a:ln>
+            <a:noFill/>
+          </a:ln>
+        </p:spPr>
+        <p:style>
+          <a:lnRef idx="2">
+            <a:schemeClr val="accent1">
+              <a:shade val="50000"/>
+            </a:schemeClr>
+          </a:lnRef>
+          <a:fillRef idx="1">
+            <a:schemeClr val="accent1"/>
+          </a:fillRef>
+          <a:effectRef idx="0">
+            <a:schemeClr val="accent1"/>
+          </a:effectRef>
+          <a:fontRef idx="minor">
+            <a:schemeClr val="lt1"/>
+          </a:fontRef>
+        </p:style>
+        <p:txBody>
+          <a:bodyPr rtlCol="0" anchor="ctr"/>
+          <a:lstStyle/>
+          <a:p>
+            <a:pPr algn="ctr"/>
+            <a:endParaRPr lang="en-US"/>
+          </a:p>
+        </p:txBody>
+      </p:sp>
+      <p:sp>
+        <p:nvSpPr>
+          <p:cNvPr id="2" name="Title 1">
+            <a:extLst>
+              <a:ext uri="{FF2B5EF4-FFF2-40B4-BE49-F238E27FC236}">
+                <a16:creationId xmlns:a16="http://schemas.microsoft.com/office/drawing/2014/main" id="{95D79E09-6E77-4F87-B358-F18D99FA343D}"/>
+              </a:ext>
+            </a:extLst>
+          </p:cNvPr>
+          <p:cNvSpPr>
+            <a:spLocks noGrp="1"/>
+          </p:cNvSpPr>
+          <p:nvPr>
+            <p:ph type="title"/>
+          </p:nvPr>
+        </p:nvSpPr>
+        <p:spPr>
+          <a:xfrm>
+            <a:off x="773934" y="425128"/>
+            <a:ext cx="9018070" cy="1325563"/>
+          </a:xfrm>
+          <a:noFill/>
+          <a:ln w="76200">
+            <a:solidFill>
+              <a:srgbClr val="11B29F"/>
+            </a:solidFill>
+          </a:ln>
+        </p:spPr>
+        <p:txBody>
+          <a:bodyPr/>
+          <a:lstStyle/>
+          <a:p>
+            <a:pPr algn="ctr"/>
+            <a:r>
+              <a:rPr lang="en-US" dirty="0">
+                <a:solidFill>
+                  <a:srgbClr val="404040"/>
+                </a:solidFill>
+                <a:latin typeface="Bodoni MT" panose="02070603080606020203" pitchFamily="18" charset="0"/>
+              </a:rPr>
+              <a:t>Ex: The Expanse</a:t>
+            </a:r>
+          </a:p>
+        </p:txBody>
+      </p:sp>
+      <p:pic>
+        <p:nvPicPr>
+          <p:cNvPr id="5" name="Content Placeholder 4" descr="A picture containing cage&#10;&#10;Description automatically generated">
+            <a:extLst>
+              <a:ext uri="{FF2B5EF4-FFF2-40B4-BE49-F238E27FC236}">
+                <a16:creationId xmlns:a16="http://schemas.microsoft.com/office/drawing/2014/main" id="{EF817497-4F98-4236-83EE-74FD8376B077}"/>
+              </a:ext>
+            </a:extLst>
+          </p:cNvPr>
+          <p:cNvPicPr>
+            <a:picLocks noGrp="1" noChangeAspect="1"/>
+          </p:cNvPicPr>
+          <p:nvPr>
+            <p:ph idx="1"/>
+          </p:nvPr>
+        </p:nvPicPr>
+        <p:blipFill>
+          <a:blip r:embed="rId3">
+            <a:extLst>
+              <a:ext uri="{28A0092B-C50C-407E-A947-70E740481C1C}">
+                <a14:useLocalDpi xmlns:a14="http://schemas.microsoft.com/office/drawing/2010/main" val="0"/>
+              </a:ext>
+            </a:extLst>
+          </a:blip>
+          <a:stretch>
+            <a:fillRect/>
+          </a:stretch>
+        </p:blipFill>
+        <p:spPr>
+          <a:xfrm>
+            <a:off x="9887140" y="47697"/>
+            <a:ext cx="2143125" cy="2143125"/>
+          </a:xfrm>
+        </p:spPr>
+      </p:pic>
+      <p:sp>
+        <p:nvSpPr>
+          <p:cNvPr id="17" name="Rectangle 16">
+            <a:extLst>
+              <a:ext uri="{FF2B5EF4-FFF2-40B4-BE49-F238E27FC236}">
+                <a16:creationId xmlns:a16="http://schemas.microsoft.com/office/drawing/2014/main" id="{C723ED3C-F5E6-4121-9EF2-DD9574E1A49F}"/>
+              </a:ext>
+            </a:extLst>
+          </p:cNvPr>
+          <p:cNvSpPr/>
+          <p:nvPr/>
+        </p:nvSpPr>
+        <p:spPr>
+          <a:xfrm>
+            <a:off x="10085294" y="2008116"/>
+            <a:ext cx="1776920" cy="76178"/>
+          </a:xfrm>
+          <a:prstGeom prst="rect">
+            <a:avLst/>
+          </a:prstGeom>
+          <a:solidFill>
+            <a:srgbClr val="11B29F"/>
+          </a:solidFill>
+          <a:ln>
+            <a:noFill/>
+          </a:ln>
+        </p:spPr>
+        <p:style>
+          <a:lnRef idx="2">
+            <a:schemeClr val="accent1">
+              <a:shade val="50000"/>
+            </a:schemeClr>
+          </a:lnRef>
+          <a:fillRef idx="1">
+            <a:schemeClr val="accent1"/>
+          </a:fillRef>
+          <a:effectRef idx="0">
+            <a:schemeClr val="accent1"/>
+          </a:effectRef>
+          <a:fontRef idx="minor">
+            <a:schemeClr val="lt1"/>
+          </a:fontRef>
+        </p:style>
+        <p:txBody>
+          <a:bodyPr rtlCol="0" anchor="ctr"/>
+          <a:lstStyle/>
+          <a:p>
+            <a:pPr algn="ctr"/>
+            <a:endParaRPr lang="en-US"/>
+          </a:p>
+        </p:txBody>
+      </p:sp>
+      <p:sp>
+        <p:nvSpPr>
+          <p:cNvPr id="21" name="Rectangle 20">
+            <a:extLst>
+              <a:ext uri="{FF2B5EF4-FFF2-40B4-BE49-F238E27FC236}">
+                <a16:creationId xmlns:a16="http://schemas.microsoft.com/office/drawing/2014/main" id="{F9E0EC60-66D4-4536-A867-30142339BAA7}"/>
+              </a:ext>
+            </a:extLst>
+          </p:cNvPr>
+          <p:cNvSpPr/>
+          <p:nvPr/>
+        </p:nvSpPr>
+        <p:spPr>
+          <a:xfrm>
+            <a:off x="10085294" y="2129819"/>
+            <a:ext cx="1776920" cy="76178"/>
+          </a:xfrm>
+          <a:prstGeom prst="rect">
+            <a:avLst/>
+          </a:prstGeom>
+          <a:solidFill>
+            <a:srgbClr val="A71B86"/>
+          </a:solidFill>
+          <a:ln>
+            <a:noFill/>
+          </a:ln>
+        </p:spPr>
+        <p:style>
+          <a:lnRef idx="2">
+            <a:schemeClr val="accent1">
+              <a:shade val="50000"/>
+            </a:schemeClr>
+          </a:lnRef>
+          <a:fillRef idx="1">
+            <a:schemeClr val="accent1"/>
+          </a:fillRef>
+          <a:effectRef idx="0">
+            <a:schemeClr val="accent1"/>
+          </a:effectRef>
+          <a:fontRef idx="minor">
+            <a:schemeClr val="lt1"/>
+          </a:fontRef>
+        </p:style>
+        <p:txBody>
+          <a:bodyPr rtlCol="0" anchor="ctr"/>
+          <a:lstStyle/>
+          <a:p>
+            <a:pPr algn="ctr"/>
+            <a:endParaRPr lang="en-US"/>
+          </a:p>
+        </p:txBody>
+      </p:sp>
+      <p:sp>
+        <p:nvSpPr>
+          <p:cNvPr id="22" name="Rectangle 21">
+            <a:extLst>
+              <a:ext uri="{FF2B5EF4-FFF2-40B4-BE49-F238E27FC236}">
+                <a16:creationId xmlns:a16="http://schemas.microsoft.com/office/drawing/2014/main" id="{F95AED49-24A8-4D10-9D31-F944565EC1B2}"/>
+              </a:ext>
+            </a:extLst>
+          </p:cNvPr>
+          <p:cNvSpPr/>
+          <p:nvPr/>
+        </p:nvSpPr>
+        <p:spPr>
+          <a:xfrm>
+            <a:off x="10085294" y="2251522"/>
+            <a:ext cx="1776920" cy="150200"/>
+          </a:xfrm>
+          <a:prstGeom prst="rect">
+            <a:avLst/>
+          </a:prstGeom>
+          <a:solidFill>
+            <a:srgbClr val="11B29F"/>
+          </a:solidFill>
+          <a:ln>
+            <a:noFill/>
+          </a:ln>
+        </p:spPr>
+        <p:style>
+          <a:lnRef idx="2">
+            <a:schemeClr val="accent1">
+              <a:shade val="50000"/>
+            </a:schemeClr>
+          </a:lnRef>
+          <a:fillRef idx="1">
+            <a:schemeClr val="accent1"/>
+          </a:fillRef>
+          <a:effectRef idx="0">
+            <a:schemeClr val="accent1"/>
+          </a:effectRef>
+          <a:fontRef idx="minor">
+            <a:schemeClr val="lt1"/>
+          </a:fontRef>
+        </p:style>
+        <p:txBody>
+          <a:bodyPr rtlCol="0" anchor="ctr"/>
+          <a:lstStyle/>
+          <a:p>
+            <a:pPr algn="ctr"/>
+            <a:endParaRPr lang="en-US"/>
+          </a:p>
+        </p:txBody>
+      </p:sp>
+      <p:sp>
+        <p:nvSpPr>
+          <p:cNvPr id="24" name="Rectangle 23">
+            <a:extLst>
+              <a:ext uri="{FF2B5EF4-FFF2-40B4-BE49-F238E27FC236}">
+                <a16:creationId xmlns:a16="http://schemas.microsoft.com/office/drawing/2014/main" id="{993D5826-407C-4F65-BE3A-EB593B942A36}"/>
+              </a:ext>
+            </a:extLst>
+          </p:cNvPr>
+          <p:cNvSpPr/>
+          <p:nvPr/>
+        </p:nvSpPr>
+        <p:spPr>
+          <a:xfrm>
+            <a:off x="10085294" y="2447247"/>
+            <a:ext cx="1776920" cy="150200"/>
+          </a:xfrm>
+          <a:prstGeom prst="rect">
+            <a:avLst/>
+          </a:prstGeom>
+          <a:solidFill>
+            <a:srgbClr val="A71B86"/>
+          </a:solidFill>
+          <a:ln>
+            <a:noFill/>
+          </a:ln>
+        </p:spPr>
+        <p:style>
+          <a:lnRef idx="2">
+            <a:schemeClr val="accent1">
+              <a:shade val="50000"/>
+            </a:schemeClr>
+          </a:lnRef>
+          <a:fillRef idx="1">
+            <a:schemeClr val="accent1"/>
+          </a:fillRef>
+          <a:effectRef idx="0">
+            <a:schemeClr val="accent1"/>
+          </a:effectRef>
+          <a:fontRef idx="minor">
+            <a:schemeClr val="lt1"/>
+          </a:fontRef>
+        </p:style>
+        <p:txBody>
+          <a:bodyPr rtlCol="0" anchor="ctr"/>
+          <a:lstStyle/>
+          <a:p>
+            <a:pPr algn="ctr"/>
+            <a:endParaRPr lang="en-US"/>
+          </a:p>
+        </p:txBody>
+      </p:sp>
+      <p:sp>
+        <p:nvSpPr>
+          <p:cNvPr id="25" name="Rectangle 24">
+            <a:extLst>
+              <a:ext uri="{FF2B5EF4-FFF2-40B4-BE49-F238E27FC236}">
+                <a16:creationId xmlns:a16="http://schemas.microsoft.com/office/drawing/2014/main" id="{D2785A94-4D0B-4559-9303-3C963AA0EF9A}"/>
+              </a:ext>
+            </a:extLst>
+          </p:cNvPr>
+          <p:cNvSpPr/>
+          <p:nvPr/>
+        </p:nvSpPr>
+        <p:spPr>
+          <a:xfrm>
+            <a:off x="10085294" y="2642972"/>
+            <a:ext cx="1776920" cy="362446"/>
+          </a:xfrm>
+          <a:prstGeom prst="rect">
+            <a:avLst/>
+          </a:prstGeom>
+          <a:solidFill>
+            <a:srgbClr val="11B29F"/>
+          </a:solidFill>
+          <a:ln>
+            <a:noFill/>
+          </a:ln>
+        </p:spPr>
+        <p:style>
+          <a:lnRef idx="2">
+            <a:schemeClr val="accent1">
+              <a:shade val="50000"/>
+            </a:schemeClr>
+          </a:lnRef>
+          <a:fillRef idx="1">
+            <a:schemeClr val="accent1"/>
+          </a:fillRef>
+          <a:effectRef idx="0">
+            <a:schemeClr val="accent1"/>
+          </a:effectRef>
+          <a:fontRef idx="minor">
+            <a:schemeClr val="lt1"/>
+          </a:fontRef>
+        </p:style>
+        <p:txBody>
+          <a:bodyPr rtlCol="0" anchor="ctr"/>
+          <a:lstStyle/>
+          <a:p>
+            <a:pPr algn="ctr"/>
+            <a:endParaRPr lang="en-US"/>
+          </a:p>
+        </p:txBody>
+      </p:sp>
+      <p:sp>
+        <p:nvSpPr>
+          <p:cNvPr id="26" name="Rectangle 25">
+            <a:extLst>
+              <a:ext uri="{FF2B5EF4-FFF2-40B4-BE49-F238E27FC236}">
+                <a16:creationId xmlns:a16="http://schemas.microsoft.com/office/drawing/2014/main" id="{B235F2E9-4558-433D-9527-7EFF5C5E78A8}"/>
+              </a:ext>
+            </a:extLst>
+          </p:cNvPr>
+          <p:cNvSpPr/>
+          <p:nvPr/>
+        </p:nvSpPr>
+        <p:spPr>
+          <a:xfrm>
+            <a:off x="10085294" y="3050943"/>
+            <a:ext cx="1776920" cy="362446"/>
+          </a:xfrm>
+          <a:prstGeom prst="rect">
+            <a:avLst/>
+          </a:prstGeom>
+          <a:solidFill>
+            <a:srgbClr val="A71B86"/>
+          </a:solidFill>
+          <a:ln>
+            <a:noFill/>
+          </a:ln>
+        </p:spPr>
+        <p:style>
+          <a:lnRef idx="2">
+            <a:schemeClr val="accent1">
+              <a:shade val="50000"/>
+            </a:schemeClr>
+          </a:lnRef>
+          <a:fillRef idx="1">
+            <a:schemeClr val="accent1"/>
+          </a:fillRef>
+          <a:effectRef idx="0">
+            <a:schemeClr val="accent1"/>
+          </a:effectRef>
+          <a:fontRef idx="minor">
+            <a:schemeClr val="lt1"/>
+          </a:fontRef>
+        </p:style>
+        <p:txBody>
+          <a:bodyPr rtlCol="0" anchor="ctr"/>
+          <a:lstStyle/>
+          <a:p>
+            <a:pPr algn="ctr"/>
+            <a:endParaRPr lang="en-US"/>
+          </a:p>
+        </p:txBody>
+      </p:sp>
+      <p:sp>
+        <p:nvSpPr>
+          <p:cNvPr id="27" name="Rectangle 26">
+            <a:extLst>
+              <a:ext uri="{FF2B5EF4-FFF2-40B4-BE49-F238E27FC236}">
+                <a16:creationId xmlns:a16="http://schemas.microsoft.com/office/drawing/2014/main" id="{99613B87-411B-4008-BF30-F1A3B8F247B5}"/>
+              </a:ext>
+            </a:extLst>
+          </p:cNvPr>
+          <p:cNvSpPr/>
+          <p:nvPr/>
+        </p:nvSpPr>
+        <p:spPr>
+          <a:xfrm>
+            <a:off x="10085294" y="3490136"/>
+            <a:ext cx="1776920" cy="3367864"/>
+          </a:xfrm>
+          <a:prstGeom prst="rect">
+            <a:avLst/>
+          </a:prstGeom>
+          <a:solidFill>
+            <a:srgbClr val="11B29F"/>
+          </a:solidFill>
+          <a:ln>
+            <a:noFill/>
+          </a:ln>
+        </p:spPr>
+        <p:style>
+          <a:lnRef idx="2">
+            <a:schemeClr val="accent1">
+              <a:shade val="50000"/>
+            </a:schemeClr>
+          </a:lnRef>
+          <a:fillRef idx="1">
+            <a:schemeClr val="accent1"/>
+          </a:fillRef>
+          <a:effectRef idx="0">
+            <a:schemeClr val="accent1"/>
+          </a:effectRef>
+          <a:fontRef idx="minor">
+            <a:schemeClr val="lt1"/>
+          </a:fontRef>
+        </p:style>
+        <p:txBody>
+          <a:bodyPr rtlCol="0" anchor="ctr"/>
+          <a:lstStyle/>
+          <a:p>
+            <a:pPr algn="ctr"/>
+            <a:endParaRPr lang="en-US"/>
+          </a:p>
+        </p:txBody>
+      </p:sp>
+      <p:sp>
+        <p:nvSpPr>
+          <p:cNvPr id="32" name="Rectangle 31">
+            <a:extLst>
+              <a:ext uri="{FF2B5EF4-FFF2-40B4-BE49-F238E27FC236}">
+                <a16:creationId xmlns:a16="http://schemas.microsoft.com/office/drawing/2014/main" id="{145B3BD2-B1C1-4ED2-A4E0-5E17DD3736F1}"/>
+              </a:ext>
+            </a:extLst>
+          </p:cNvPr>
+          <p:cNvSpPr/>
+          <p:nvPr/>
+        </p:nvSpPr>
+        <p:spPr>
+          <a:xfrm rot="19800000">
+            <a:off x="-765351" y="385789"/>
+            <a:ext cx="4026751" cy="269178"/>
+          </a:xfrm>
+          <a:prstGeom prst="rect">
+            <a:avLst/>
+          </a:prstGeom>
+          <a:solidFill>
+            <a:srgbClr val="A71B86"/>
+          </a:solidFill>
+          <a:ln>
+            <a:noFill/>
+          </a:ln>
+        </p:spPr>
+        <p:style>
+          <a:lnRef idx="2">
+            <a:schemeClr val="accent1">
+              <a:shade val="50000"/>
+            </a:schemeClr>
+          </a:lnRef>
+          <a:fillRef idx="1">
+            <a:schemeClr val="accent1"/>
+          </a:fillRef>
+          <a:effectRef idx="0">
+            <a:schemeClr val="accent1"/>
+          </a:effectRef>
+          <a:fontRef idx="minor">
+            <a:schemeClr val="lt1"/>
+          </a:fontRef>
+        </p:style>
+        <p:txBody>
+          <a:bodyPr rtlCol="0" anchor="ctr"/>
+          <a:lstStyle/>
+          <a:p>
+            <a:pPr algn="ctr"/>
+            <a:endParaRPr lang="en-US"/>
+          </a:p>
+        </p:txBody>
+      </p:sp>
+      <p:sp>
+        <p:nvSpPr>
+          <p:cNvPr id="33" name="Rectangle 32">
+            <a:extLst>
+              <a:ext uri="{FF2B5EF4-FFF2-40B4-BE49-F238E27FC236}">
+                <a16:creationId xmlns:a16="http://schemas.microsoft.com/office/drawing/2014/main" id="{DC3B2826-65DD-408B-8F18-8CCD6C052D8D}"/>
+              </a:ext>
+            </a:extLst>
+          </p:cNvPr>
+          <p:cNvSpPr/>
+          <p:nvPr/>
+        </p:nvSpPr>
+        <p:spPr>
+          <a:xfrm rot="19800000">
+            <a:off x="9257156" y="6226296"/>
+            <a:ext cx="4026751" cy="269178"/>
+          </a:xfrm>
+          <a:prstGeom prst="rect">
+            <a:avLst/>
+          </a:prstGeom>
+          <a:solidFill>
+            <a:srgbClr val="A71B86"/>
+          </a:solidFill>
+          <a:ln>
+            <a:noFill/>
+          </a:ln>
+        </p:spPr>
+        <p:style>
+          <a:lnRef idx="2">
+            <a:schemeClr val="accent1">
+              <a:shade val="50000"/>
+            </a:schemeClr>
+          </a:lnRef>
+          <a:fillRef idx="1">
+            <a:schemeClr val="accent1"/>
+          </a:fillRef>
+          <a:effectRef idx="0">
+            <a:schemeClr val="accent1"/>
+          </a:effectRef>
+          <a:fontRef idx="minor">
+            <a:schemeClr val="lt1"/>
+          </a:fontRef>
+        </p:style>
+        <p:txBody>
+          <a:bodyPr rtlCol="0" anchor="ctr"/>
+          <a:lstStyle/>
+          <a:p>
+            <a:pPr algn="ctr"/>
+            <a:endParaRPr lang="en-US"/>
+          </a:p>
+        </p:txBody>
+      </p:sp>
+      <p:sp>
+        <p:nvSpPr>
+          <p:cNvPr id="35" name="Rectangle 34">
+            <a:extLst>
+              <a:ext uri="{FF2B5EF4-FFF2-40B4-BE49-F238E27FC236}">
+                <a16:creationId xmlns:a16="http://schemas.microsoft.com/office/drawing/2014/main" id="{4935F901-F632-4698-8C7A-AC29B2397A6C}"/>
+              </a:ext>
+            </a:extLst>
+          </p:cNvPr>
+          <p:cNvSpPr/>
+          <p:nvPr/>
+        </p:nvSpPr>
+        <p:spPr>
+          <a:xfrm rot="19800000">
+            <a:off x="8263809" y="5824178"/>
+            <a:ext cx="4731177" cy="269178"/>
+          </a:xfrm>
+          <a:prstGeom prst="rect">
+            <a:avLst/>
+          </a:prstGeom>
+          <a:solidFill>
+            <a:srgbClr val="A71B86"/>
+          </a:solidFill>
+          <a:ln>
+            <a:noFill/>
+          </a:ln>
+        </p:spPr>
+        <p:style>
+          <a:lnRef idx="2">
+            <a:schemeClr val="accent1">
+              <a:shade val="50000"/>
+            </a:schemeClr>
+          </a:lnRef>
+          <a:fillRef idx="1">
+            <a:schemeClr val="accent1"/>
+          </a:fillRef>
+          <a:effectRef idx="0">
+            <a:schemeClr val="accent1"/>
+          </a:effectRef>
+          <a:fontRef idx="minor">
+            <a:schemeClr val="lt1"/>
+          </a:fontRef>
+        </p:style>
+        <p:txBody>
+          <a:bodyPr rtlCol="0" anchor="ctr"/>
+          <a:lstStyle/>
+          <a:p>
+            <a:pPr algn="ctr"/>
+            <a:endParaRPr lang="en-US"/>
+          </a:p>
+        </p:txBody>
+      </p:sp>
+      <p:sp>
+        <p:nvSpPr>
+          <p:cNvPr id="36" name="TextBox 35">
+            <a:extLst>
+              <a:ext uri="{FF2B5EF4-FFF2-40B4-BE49-F238E27FC236}">
+                <a16:creationId xmlns:a16="http://schemas.microsoft.com/office/drawing/2014/main" id="{389720C5-6DCB-428D-8C4F-A02DEC239333}"/>
+              </a:ext>
+            </a:extLst>
+          </p:cNvPr>
+          <p:cNvSpPr txBox="1"/>
+          <p:nvPr/>
+        </p:nvSpPr>
+        <p:spPr>
+          <a:xfrm>
+            <a:off x="773935" y="1947592"/>
+            <a:ext cx="8859163" cy="4708981"/>
+          </a:xfrm>
+          <a:prstGeom prst="rect">
+            <a:avLst/>
+          </a:prstGeom>
+          <a:noFill/>
+        </p:spPr>
+        <p:txBody>
+          <a:bodyPr wrap="square" rtlCol="0">
+            <a:spAutoFit/>
+          </a:bodyPr>
+          <a:lstStyle/>
+          <a:p>
+            <a:pPr marL="285750" indent="-285750">
+              <a:buFont typeface="Arial" panose="020B0604020202020204" pitchFamily="34" charset="0"/>
+              <a:buChar char="•"/>
+            </a:pPr>
+            <a:r>
+              <a:rPr lang="en-US" sz="2000" dirty="0">
+                <a:solidFill>
+                  <a:srgbClr val="404040"/>
+                </a:solidFill>
+                <a:latin typeface="Corbel" panose="020B0503020204020204" pitchFamily="34" charset="0"/>
+              </a:rPr>
+              <a:t>Act III</a:t>
+            </a:r>
+          </a:p>
+          <a:p>
+            <a:pPr marL="742950" lvl="1" indent="-285750">
+              <a:buFont typeface="Arial" panose="020B0604020202020204" pitchFamily="34" charset="0"/>
+              <a:buChar char="•"/>
+            </a:pPr>
+            <a:r>
+              <a:rPr lang="en-US" sz="2000" dirty="0">
+                <a:solidFill>
+                  <a:schemeClr val="accent1">
+                    <a:lumMod val="75000"/>
+                  </a:schemeClr>
+                </a:solidFill>
+                <a:latin typeface="Corbel" panose="020B0503020204020204" pitchFamily="34" charset="0"/>
+              </a:rPr>
+              <a:t>“Well, I think we have identified the things we want to accomplish in our plan.  Now, if we could just use some magic trick to find the best way to move these people to achieve these goals.” – JC</a:t>
             </a:r>
           </a:p>
           <a:p>
@@ -11051,7 +12581,7 @@
 </p:sld>
 </file>
 
-<file path=ppt/slides/slide15.xml><?xml version="1.0" encoding="utf-8"?>
+<file path=ppt/slides/slide16.xml><?xml version="1.0" encoding="utf-8"?>
 <p:sld xmlns:a="http://schemas.openxmlformats.org/drawingml/2006/main" xmlns:r="http://schemas.openxmlformats.org/officeDocument/2006/relationships" xmlns:p="http://schemas.openxmlformats.org/presentationml/2006/main">
   <p:cSld>
     <p:spTree>
@@ -11248,7 +12778,7 @@
                 </a:solidFill>
                 <a:latin typeface="Bodoni MT" panose="02070603080606020203" pitchFamily="18" charset="0"/>
               </a:rPr>
-              <a:t>Ex: Oakdale School Busing</a:t>
+              <a:t>Ex: The Expanse</a:t>
             </a:r>
           </a:p>
         </p:txBody>
@@ -11808,8 +13338,8 @@
           </a:p>
         </p:txBody>
       </p:sp>
-      <mc:AlternateContent xmlns:mc="http://schemas.openxmlformats.org/markup-compatibility/2006">
-        <mc:Choice xmlns:a14="http://schemas.microsoft.com/office/drawing/2010/main" Requires="a14">
+      <mc:AlternateContent xmlns:mc="http://schemas.openxmlformats.org/markup-compatibility/2006" xmlns:a14="http://schemas.microsoft.com/office/drawing/2010/main">
+        <mc:Choice Requires="a14">
           <p:sp>
             <p:nvSpPr>
               <p:cNvPr id="36" name="TextBox 35">
@@ -11864,7 +13394,7 @@
                     </a:solidFill>
                     <a:latin typeface="Corbel" panose="020B0503020204020204" pitchFamily="34" charset="0"/>
                   </a:rPr>
-                  <a:t>Achieve a 60%/40% ratio of white to black students at each of the schools</a:t>
+                  <a:t>Achieve a 60%/40% ratio of Martians to Earthers at each of the asteroids</a:t>
                 </a:r>
               </a:p>
               <a:p>
@@ -11879,7 +13409,7 @@
                     </a:solidFill>
                     <a:latin typeface="Corbel" panose="020B0503020204020204" pitchFamily="34" charset="0"/>
                   </a:rPr>
-                  <a:t>Minimize the amount of traveling that students will have to do, ideally no more than 30,000 miles per day</a:t>
+                  <a:t>Minimize the amount of traveling that people will have to do, ideally no more than 30,000 million miles</a:t>
                 </a:r>
               </a:p>
               <a:p>
@@ -11894,7 +13424,7 @@
                     </a:solidFill>
                     <a:latin typeface="Corbel" panose="020B0503020204020204" pitchFamily="34" charset="0"/>
                   </a:rPr>
-                  <a:t>Keep all schools close to capacity and minimize overcrowding proportionally allocating the excess among the schools</a:t>
+                  <a:t>Keep all asteroids close to capacity and minimize overcrowding proportionally allocating the excess among the asteroids</a:t>
                 </a:r>
               </a:p>
               <a:p>
@@ -11921,7 +13451,7 @@
                     </a:solidFill>
                     <a:latin typeface="Corbel" panose="020B0503020204020204" pitchFamily="34" charset="0"/>
                   </a:rPr>
-                  <a:t>Q: How can we formulate and solve a goal programming model to help the board with its dilemma?</a:t>
+                  <a:t>Q: How can we formulate and solve a goal programming model to help these representatives with their dilemma?</a:t>
                 </a:r>
               </a:p>
               <a:p>
@@ -12053,28 +13583,7 @@
                         </a:solidFill>
                         <a:latin typeface="Cambria Math" panose="02040503050406030204" pitchFamily="18" charset="0"/>
                       </a:rPr>
-                      <m:t>white</m:t>
-                    </m:r>
-                    <m:r>
-                      <a:rPr lang="en-US" sz="2000" b="0" i="0" dirty="0" smtClean="0">
-                        <a:solidFill>
-                          <a:srgbClr val="404040"/>
-                        </a:solidFill>
-                        <a:latin typeface="Cambria Math" panose="02040503050406030204" pitchFamily="18" charset="0"/>
-                      </a:rPr>
-                      <m:t> </m:t>
-                    </m:r>
-                    <m:r>
-                      <m:rPr>
-                        <m:sty m:val="p"/>
-                      </m:rPr>
-                      <a:rPr lang="en-US" sz="2000" b="0" i="0" dirty="0" smtClean="0">
-                        <a:solidFill>
-                          <a:srgbClr val="404040"/>
-                        </a:solidFill>
-                        <a:latin typeface="Cambria Math" panose="02040503050406030204" pitchFamily="18" charset="0"/>
-                      </a:rPr>
-                      <m:t>students</m:t>
+                      <m:t>martians</m:t>
                     </m:r>
                     <m:r>
                       <a:rPr lang="en-US" sz="2000" b="0" i="0" dirty="0" smtClean="0">
@@ -12116,7 +13625,7 @@
                         </a:solidFill>
                         <a:latin typeface="Cambria Math" panose="02040503050406030204" pitchFamily="18" charset="0"/>
                       </a:rPr>
-                      <m:t>district</m:t>
+                      <m:t>asteroid</m:t>
                     </m:r>
                     <m:r>
                       <a:rPr lang="en-US" sz="2000" b="0" i="0" dirty="0" smtClean="0">
@@ -12197,7 +13706,7 @@
                         </a:solidFill>
                         <a:latin typeface="Cambria Math" panose="02040503050406030204" pitchFamily="18" charset="0"/>
                       </a:rPr>
-                      <m:t>district</m:t>
+                      <m:t>asteroid</m:t>
                     </m:r>
                     <m:r>
                       <a:rPr lang="en-US" sz="2000" b="0" i="0" dirty="0" smtClean="0">
@@ -12328,31 +13837,10 @@
                         </a:solidFill>
                         <a:latin typeface="Cambria Math" panose="02040503050406030204" pitchFamily="18" charset="0"/>
                       </a:rPr>
-                      <m:t>black</m:t>
+                      <m:t>earthers</m:t>
                     </m:r>
                     <m:r>
-                      <a:rPr lang="en-US" sz="2000" dirty="0">
-                        <a:solidFill>
-                          <a:srgbClr val="404040"/>
-                        </a:solidFill>
-                        <a:latin typeface="Cambria Math" panose="02040503050406030204" pitchFamily="18" charset="0"/>
-                      </a:rPr>
-                      <m:t> </m:t>
-                    </m:r>
-                    <m:r>
-                      <m:rPr>
-                        <m:sty m:val="p"/>
-                      </m:rPr>
-                      <a:rPr lang="en-US" sz="2000" dirty="0">
-                        <a:solidFill>
-                          <a:srgbClr val="404040"/>
-                        </a:solidFill>
-                        <a:latin typeface="Cambria Math" panose="02040503050406030204" pitchFamily="18" charset="0"/>
-                      </a:rPr>
-                      <m:t>students</m:t>
-                    </m:r>
-                    <m:r>
-                      <a:rPr lang="en-US" sz="2000" dirty="0">
+                      <a:rPr lang="en-US" sz="2000" b="0" i="0" dirty="0" smtClean="0">
                         <a:solidFill>
                           <a:srgbClr val="404040"/>
                         </a:solidFill>
@@ -12385,13 +13873,13 @@
                       <m:rPr>
                         <m:sty m:val="p"/>
                       </m:rPr>
-                      <a:rPr lang="en-US" sz="2000" dirty="0">
+                      <a:rPr lang="en-US" sz="2000" b="0" i="0" dirty="0" smtClean="0">
                         <a:solidFill>
                           <a:srgbClr val="404040"/>
                         </a:solidFill>
                         <a:latin typeface="Cambria Math" panose="02040503050406030204" pitchFamily="18" charset="0"/>
                       </a:rPr>
-                      <m:t>district</m:t>
+                      <m:t>asteroid</m:t>
                     </m:r>
                     <m:r>
                       <a:rPr lang="en-US" sz="2000" dirty="0">
@@ -12466,13 +13954,13 @@
                       <m:rPr>
                         <m:sty m:val="p"/>
                       </m:rPr>
-                      <a:rPr lang="en-US" sz="2000" dirty="0">
+                      <a:rPr lang="en-US" sz="2000" b="0" i="0" dirty="0" smtClean="0">
                         <a:solidFill>
                           <a:srgbClr val="404040"/>
                         </a:solidFill>
                         <a:latin typeface="Cambria Math" panose="02040503050406030204" pitchFamily="18" charset="0"/>
                       </a:rPr>
-                      <m:t>district</m:t>
+                      <m:t>asteroid</m:t>
                     </m:r>
                     <m:r>
                       <a:rPr lang="en-US" sz="2000" dirty="0">
@@ -12565,7 +14053,7 @@
                             </a:solidFill>
                             <a:latin typeface="Cambria Math" panose="02040503050406030204" pitchFamily="18" charset="0"/>
                           </a:rPr>
-                          <m:t>𝑁</m:t>
+                          <m:t>𝑉</m:t>
                         </m:r>
                         <m:r>
                           <a:rPr lang="en-US" sz="2000" b="0" i="1" dirty="0" smtClean="0">
@@ -12583,7 +14071,7 @@
                             </a:solidFill>
                             <a:latin typeface="Cambria Math" panose="02040503050406030204" pitchFamily="18" charset="0"/>
                           </a:rPr>
-                          <m:t>𝑆</m:t>
+                          <m:t>𝐻</m:t>
                         </m:r>
                         <m:r>
                           <a:rPr lang="en-US" sz="2000" b="0" i="1" dirty="0" smtClean="0">
@@ -12601,7 +14089,7 @@
                             </a:solidFill>
                             <a:latin typeface="Cambria Math" panose="02040503050406030204" pitchFamily="18" charset="0"/>
                           </a:rPr>
-                          <m:t>𝐸</m:t>
+                          <m:t>𝑃</m:t>
                         </m:r>
                         <m:r>
                           <a:rPr lang="en-US" sz="2000" b="0" i="1" dirty="0" smtClean="0">
@@ -12619,7 +14107,7 @@
                             </a:solidFill>
                             <a:latin typeface="Cambria Math" panose="02040503050406030204" pitchFamily="18" charset="0"/>
                           </a:rPr>
-                          <m:t>𝑊</m:t>
+                          <m:t>𝐶</m:t>
                         </m:r>
                       </m:e>
                     </m:d>
@@ -12635,7 +14123,7 @@
             </p:txBody>
           </p:sp>
         </mc:Choice>
-        <mc:Fallback>
+        <mc:Fallback xmlns="">
           <p:sp>
             <p:nvSpPr>
               <p:cNvPr id="36" name="TextBox 35">
@@ -12810,7 +14298,7 @@
 </p:sld>
 </file>
 
-<file path=ppt/slides/slide16.xml><?xml version="1.0" encoding="utf-8"?>
+<file path=ppt/slides/slide17.xml><?xml version="1.0" encoding="utf-8"?>
 <p:sld xmlns:a="http://schemas.openxmlformats.org/drawingml/2006/main" xmlns:r="http://schemas.openxmlformats.org/officeDocument/2006/relationships" xmlns:p="http://schemas.openxmlformats.org/presentationml/2006/main">
   <p:cSld>
     <p:spTree>
@@ -13007,7 +14495,7 @@
                 </a:solidFill>
                 <a:latin typeface="Bodoni MT" panose="02070603080606020203" pitchFamily="18" charset="0"/>
               </a:rPr>
-              <a:t>Ex: Oakdale School Busing</a:t>
+              <a:t>Ex: The Expanse</a:t>
             </a:r>
           </a:p>
         </p:txBody>
@@ -13581,8 +15069,8 @@
         </p:nvSpPr>
         <p:spPr>
           <a:xfrm>
-            <a:off x="773935" y="1947592"/>
-            <a:ext cx="8859163" cy="3170099"/>
+            <a:off x="730676" y="1937211"/>
+            <a:ext cx="8859163" cy="3477875"/>
           </a:xfrm>
           <a:prstGeom prst="rect">
             <a:avLst/>
@@ -13621,8 +15109,23 @@
                 </a:solidFill>
                 <a:latin typeface="Corbel" panose="020B0503020204020204" pitchFamily="34" charset="0"/>
               </a:rPr>
-              <a:t>Current amounts of white and black students along with capacity</a:t>
+              <a:t>Current amounts of Martians and Earthers </a:t>
             </a:r>
+            <a:r>
+              <a:rPr lang="en-US" sz="2000">
+                <a:solidFill>
+                  <a:srgbClr val="404040"/>
+                </a:solidFill>
+                <a:latin typeface="Corbel" panose="020B0503020204020204" pitchFamily="34" charset="0"/>
+              </a:rPr>
+              <a:t>with capacity</a:t>
+            </a:r>
+            <a:endParaRPr lang="en-US" sz="2000" dirty="0">
+              <a:solidFill>
+                <a:srgbClr val="404040"/>
+              </a:solidFill>
+              <a:latin typeface="Corbel" panose="020B0503020204020204" pitchFamily="34" charset="0"/>
+            </a:endParaRPr>
           </a:p>
           <a:p>
             <a:pPr marL="742950" lvl="1" indent="-285750">
@@ -13686,6 +15189,18 @@
           </a:p>
           <a:p>
             <a:pPr lvl="1"/>
+            <a:endParaRPr lang="en-US" sz="2000" dirty="0">
+              <a:solidFill>
+                <a:srgbClr val="404040"/>
+              </a:solidFill>
+              <a:latin typeface="Corbel" panose="020B0503020204020204" pitchFamily="34" charset="0"/>
+            </a:endParaRPr>
+          </a:p>
+          <a:p>
+            <a:pPr marL="742950" lvl="1" indent="-285750">
+              <a:buFont typeface="Arial" panose="020B0604020202020204" pitchFamily="34" charset="0"/>
+              <a:buChar char="•"/>
+            </a:pPr>
             <a:endParaRPr lang="en-US" sz="2000" dirty="0">
               <a:solidFill>
                 <a:srgbClr val="404040"/>
@@ -13705,7 +15220,7 @@
                 </a:solidFill>
                 <a:latin typeface="Corbel" panose="020B0503020204020204" pitchFamily="34" charset="0"/>
               </a:rPr>
-              <a:t>Distances each student travels between districts</a:t>
+              <a:t>Distances (millions of miles) each person must travel between asteroids</a:t>
             </a:r>
           </a:p>
           <a:p>
@@ -13839,90 +15354,845 @@
           </a:prstGeom>
         </p:spPr>
       </p:pic>
-      <p:pic>
-        <p:nvPicPr>
-          <p:cNvPr id="29" name="Picture 28">
-            <a:extLst>
-              <a:ext uri="{FF2B5EF4-FFF2-40B4-BE49-F238E27FC236}">
-                <a16:creationId xmlns:a16="http://schemas.microsoft.com/office/drawing/2014/main" id="{0EBB1B8B-81AC-4451-9E28-973B6EAC109C}"/>
-              </a:ext>
-            </a:extLst>
-          </p:cNvPr>
-          <p:cNvPicPr>
-            <a:picLocks noChangeAspect="1"/>
-          </p:cNvPicPr>
-          <p:nvPr/>
-        </p:nvPicPr>
-        <p:blipFill>
-          <a:blip r:embed="rId6"/>
-          <a:stretch>
-            <a:fillRect/>
-          </a:stretch>
-        </p:blipFill>
-        <p:spPr>
-          <a:xfrm>
-            <a:off x="1668529" y="4828421"/>
-            <a:ext cx="5371006" cy="1705081"/>
-          </a:xfrm>
-          <a:prstGeom prst="rect">
-            <a:avLst/>
-          </a:prstGeom>
-          <a:ln w="38100">
-            <a:solidFill>
-              <a:srgbClr val="11B29F"/>
-            </a:solidFill>
-          </a:ln>
-          <a:effectLst>
-            <a:outerShdw blurRad="292100" dist="139700" dir="2700000" algn="tl" rotWithShape="0">
-              <a:srgbClr val="333333">
-                <a:alpha val="65000"/>
-              </a:srgbClr>
-            </a:outerShdw>
-          </a:effectLst>
-        </p:spPr>
-      </p:pic>
-      <p:pic>
-        <p:nvPicPr>
-          <p:cNvPr id="3" name="Picture 2">
-            <a:extLst>
-              <a:ext uri="{FF2B5EF4-FFF2-40B4-BE49-F238E27FC236}">
-                <a16:creationId xmlns:a16="http://schemas.microsoft.com/office/drawing/2014/main" id="{73B1FC72-DB94-4306-87A3-E492D8AE75D6}"/>
-              </a:ext>
-            </a:extLst>
-          </p:cNvPr>
-          <p:cNvPicPr>
-            <a:picLocks noChangeAspect="1"/>
-          </p:cNvPicPr>
-          <p:nvPr/>
-        </p:nvPicPr>
-        <p:blipFill>
-          <a:blip r:embed="rId7"/>
-          <a:stretch>
-            <a:fillRect/>
-          </a:stretch>
-        </p:blipFill>
-        <p:spPr>
-          <a:xfrm>
-            <a:off x="1668529" y="2672228"/>
-            <a:ext cx="7228879" cy="1524598"/>
-          </a:xfrm>
-          <a:prstGeom prst="rect">
-            <a:avLst/>
-          </a:prstGeom>
-          <a:ln w="38100">
-            <a:solidFill>
-              <a:srgbClr val="11B29F"/>
-            </a:solidFill>
-          </a:ln>
-          <a:effectLst>
-            <a:outerShdw blurRad="292100" dist="139700" dir="2700000" algn="tl" rotWithShape="0">
-              <a:srgbClr val="333333">
-                <a:alpha val="65000"/>
-              </a:srgbClr>
-            </a:outerShdw>
-          </a:effectLst>
-        </p:spPr>
-      </p:pic>
+      <p:graphicFrame>
+        <p:nvGraphicFramePr>
+          <p:cNvPr id="23" name="Table 3">
+            <a:extLst>
+              <a:ext uri="{FF2B5EF4-FFF2-40B4-BE49-F238E27FC236}">
+                <a16:creationId xmlns:a16="http://schemas.microsoft.com/office/drawing/2014/main" id="{DB58425F-3DD8-4241-B6BA-690B3B3D10BB}"/>
+              </a:ext>
+            </a:extLst>
+          </p:cNvPr>
+          <p:cNvGraphicFramePr>
+            <a:graphicFrameLocks noGrp="1"/>
+          </p:cNvGraphicFramePr>
+          <p:nvPr>
+            <p:extLst>
+              <p:ext uri="{D42A27DB-BD31-4B8C-83A1-F6EECF244321}">
+                <p14:modId xmlns:p14="http://schemas.microsoft.com/office/powerpoint/2010/main" val="3322769793"/>
+              </p:ext>
+            </p:extLst>
+          </p:nvPr>
+        </p:nvGraphicFramePr>
+        <p:xfrm>
+          <a:off x="1564066" y="5125162"/>
+          <a:ext cx="5705855" cy="1667210"/>
+        </p:xfrm>
+        <a:graphic>
+          <a:graphicData uri="http://schemas.openxmlformats.org/drawingml/2006/table">
+            <a:tbl>
+              <a:tblPr firstRow="1" bandRow="1">
+                <a:tableStyleId>{0505E3EF-67EA-436B-97B2-0124C06EBD24}</a:tableStyleId>
+              </a:tblPr>
+              <a:tblGrid>
+                <a:gridCol w="1141171">
+                  <a:extLst>
+                    <a:ext uri="{9D8B030D-6E8A-4147-A177-3AD203B41FA5}">
+                      <a16:colId xmlns:a16="http://schemas.microsoft.com/office/drawing/2014/main" val="884158799"/>
+                    </a:ext>
+                  </a:extLst>
+                </a:gridCol>
+                <a:gridCol w="1141171">
+                  <a:extLst>
+                    <a:ext uri="{9D8B030D-6E8A-4147-A177-3AD203B41FA5}">
+                      <a16:colId xmlns:a16="http://schemas.microsoft.com/office/drawing/2014/main" val="3587704130"/>
+                    </a:ext>
+                  </a:extLst>
+                </a:gridCol>
+                <a:gridCol w="1141171">
+                  <a:extLst>
+                    <a:ext uri="{9D8B030D-6E8A-4147-A177-3AD203B41FA5}">
+                      <a16:colId xmlns:a16="http://schemas.microsoft.com/office/drawing/2014/main" val="1459892759"/>
+                    </a:ext>
+                  </a:extLst>
+                </a:gridCol>
+                <a:gridCol w="1141171">
+                  <a:extLst>
+                    <a:ext uri="{9D8B030D-6E8A-4147-A177-3AD203B41FA5}">
+                      <a16:colId xmlns:a16="http://schemas.microsoft.com/office/drawing/2014/main" val="1200751326"/>
+                    </a:ext>
+                  </a:extLst>
+                </a:gridCol>
+                <a:gridCol w="1141171">
+                  <a:extLst>
+                    <a:ext uri="{9D8B030D-6E8A-4147-A177-3AD203B41FA5}">
+                      <a16:colId xmlns:a16="http://schemas.microsoft.com/office/drawing/2014/main" val="3799208621"/>
+                    </a:ext>
+                  </a:extLst>
+                </a:gridCol>
+              </a:tblGrid>
+              <a:tr h="283009">
+                <a:tc>
+                  <a:txBody>
+                    <a:bodyPr/>
+                    <a:lstStyle/>
+                    <a:p>
+                      <a:pPr algn="ctr"/>
+                      <a:r>
+                        <a:rPr lang="en-US" sz="1600" b="1" dirty="0"/>
+                        <a:t>Asteroid</a:t>
+                      </a:r>
+                    </a:p>
+                  </a:txBody>
+                  <a:tcPr marL="89601" marR="89601" marT="44801" marB="44801"/>
+                </a:tc>
+                <a:tc>
+                  <a:txBody>
+                    <a:bodyPr/>
+                    <a:lstStyle/>
+                    <a:p>
+                      <a:pPr algn="ctr"/>
+                      <a:r>
+                        <a:rPr lang="en-US" sz="1600" dirty="0"/>
+                        <a:t>Vesta</a:t>
+                      </a:r>
+                    </a:p>
+                  </a:txBody>
+                  <a:tcPr marL="89601" marR="89601" marT="44801" marB="44801"/>
+                </a:tc>
+                <a:tc>
+                  <a:txBody>
+                    <a:bodyPr/>
+                    <a:lstStyle/>
+                    <a:p>
+                      <a:pPr algn="ctr"/>
+                      <a:r>
+                        <a:rPr lang="en-US" sz="1600" dirty="0"/>
+                        <a:t>Hygiea</a:t>
+                      </a:r>
+                    </a:p>
+                  </a:txBody>
+                  <a:tcPr marL="89601" marR="89601" marT="44801" marB="44801"/>
+                </a:tc>
+                <a:tc>
+                  <a:txBody>
+                    <a:bodyPr/>
+                    <a:lstStyle/>
+                    <a:p>
+                      <a:pPr algn="ctr"/>
+                      <a:r>
+                        <a:rPr lang="en-US" sz="1600" dirty="0"/>
+                        <a:t>Pallas</a:t>
+                      </a:r>
+                    </a:p>
+                  </a:txBody>
+                  <a:tcPr marL="89601" marR="89601" marT="44801" marB="44801"/>
+                </a:tc>
+                <a:tc>
+                  <a:txBody>
+                    <a:bodyPr/>
+                    <a:lstStyle/>
+                    <a:p>
+                      <a:pPr algn="ctr"/>
+                      <a:r>
+                        <a:rPr lang="en-US" sz="1600" dirty="0"/>
+                        <a:t>Ceres</a:t>
+                      </a:r>
+                    </a:p>
+                  </a:txBody>
+                  <a:tcPr marL="89601" marR="89601" marT="44801" marB="44801"/>
+                </a:tc>
+                <a:extLst>
+                  <a:ext uri="{0D108BD9-81ED-4DB2-BD59-A6C34878D82A}">
+                    <a16:rowId xmlns:a16="http://schemas.microsoft.com/office/drawing/2014/main" val="3609992459"/>
+                  </a:ext>
+                </a:extLst>
+              </a:tr>
+              <a:tr h="308421">
+                <a:tc>
+                  <a:txBody>
+                    <a:bodyPr/>
+                    <a:lstStyle/>
+                    <a:p>
+                      <a:pPr algn="ctr"/>
+                      <a:r>
+                        <a:rPr lang="en-US" sz="1600" b="1" dirty="0"/>
+                        <a:t>Vesta</a:t>
+                      </a:r>
+                    </a:p>
+                  </a:txBody>
+                  <a:tcPr marL="89601" marR="89601" marT="44801" marB="44801"/>
+                </a:tc>
+                <a:tc>
+                  <a:txBody>
+                    <a:bodyPr/>
+                    <a:lstStyle/>
+                    <a:p>
+                      <a:pPr algn="ctr"/>
+                      <a:r>
+                        <a:rPr lang="en-US" sz="1600" dirty="0"/>
+                        <a:t>-</a:t>
+                      </a:r>
+                    </a:p>
+                  </a:txBody>
+                  <a:tcPr marL="89601" marR="89601" marT="44801" marB="44801"/>
+                </a:tc>
+                <a:tc>
+                  <a:txBody>
+                    <a:bodyPr/>
+                    <a:lstStyle/>
+                    <a:p>
+                      <a:pPr algn="ctr"/>
+                      <a:r>
+                        <a:rPr lang="en-US" sz="1600" dirty="0"/>
+                        <a:t>30</a:t>
+                      </a:r>
+                    </a:p>
+                  </a:txBody>
+                  <a:tcPr marL="89601" marR="89601" marT="44801" marB="44801"/>
+                </a:tc>
+                <a:tc>
+                  <a:txBody>
+                    <a:bodyPr/>
+                    <a:lstStyle/>
+                    <a:p>
+                      <a:pPr algn="ctr"/>
+                      <a:r>
+                        <a:rPr lang="en-US" sz="1600" dirty="0"/>
+                        <a:t>12</a:t>
+                      </a:r>
+                    </a:p>
+                  </a:txBody>
+                  <a:tcPr marL="89601" marR="89601" marT="44801" marB="44801"/>
+                </a:tc>
+                <a:tc>
+                  <a:txBody>
+                    <a:bodyPr/>
+                    <a:lstStyle/>
+                    <a:p>
+                      <a:pPr algn="ctr"/>
+                      <a:r>
+                        <a:rPr lang="en-US" sz="1600" dirty="0"/>
+                        <a:t>20</a:t>
+                      </a:r>
+                    </a:p>
+                  </a:txBody>
+                  <a:tcPr marL="89601" marR="89601" marT="44801" marB="44801"/>
+                </a:tc>
+                <a:extLst>
+                  <a:ext uri="{0D108BD9-81ED-4DB2-BD59-A6C34878D82A}">
+                    <a16:rowId xmlns:a16="http://schemas.microsoft.com/office/drawing/2014/main" val="2738762858"/>
+                  </a:ext>
+                </a:extLst>
+              </a:tr>
+              <a:tr h="308421">
+                <a:tc>
+                  <a:txBody>
+                    <a:bodyPr/>
+                    <a:lstStyle/>
+                    <a:p>
+                      <a:pPr algn="ctr"/>
+                      <a:r>
+                        <a:rPr lang="en-US" sz="1600" b="1" dirty="0"/>
+                        <a:t>Hygiea</a:t>
+                      </a:r>
+                    </a:p>
+                  </a:txBody>
+                  <a:tcPr marL="89601" marR="89601" marT="44801" marB="44801"/>
+                </a:tc>
+                <a:tc>
+                  <a:txBody>
+                    <a:bodyPr/>
+                    <a:lstStyle/>
+                    <a:p>
+                      <a:pPr algn="ctr"/>
+                      <a:r>
+                        <a:rPr lang="en-US" sz="1600" dirty="0"/>
+                        <a:t>30</a:t>
+                      </a:r>
+                    </a:p>
+                  </a:txBody>
+                  <a:tcPr marL="89601" marR="89601" marT="44801" marB="44801"/>
+                </a:tc>
+                <a:tc>
+                  <a:txBody>
+                    <a:bodyPr/>
+                    <a:lstStyle/>
+                    <a:p>
+                      <a:pPr algn="ctr"/>
+                      <a:r>
+                        <a:rPr lang="en-US" sz="1600" dirty="0"/>
+                        <a:t>-</a:t>
+                      </a:r>
+                    </a:p>
+                  </a:txBody>
+                  <a:tcPr marL="89601" marR="89601" marT="44801" marB="44801"/>
+                </a:tc>
+                <a:tc>
+                  <a:txBody>
+                    <a:bodyPr/>
+                    <a:lstStyle/>
+                    <a:p>
+                      <a:pPr algn="ctr"/>
+                      <a:r>
+                        <a:rPr lang="en-US" sz="1600" dirty="0"/>
+                        <a:t>18</a:t>
+                      </a:r>
+                    </a:p>
+                  </a:txBody>
+                  <a:tcPr marL="89601" marR="89601" marT="44801" marB="44801"/>
+                </a:tc>
+                <a:tc>
+                  <a:txBody>
+                    <a:bodyPr/>
+                    <a:lstStyle/>
+                    <a:p>
+                      <a:pPr algn="ctr"/>
+                      <a:r>
+                        <a:rPr lang="en-US" sz="1600" dirty="0"/>
+                        <a:t>26</a:t>
+                      </a:r>
+                    </a:p>
+                  </a:txBody>
+                  <a:tcPr marL="89601" marR="89601" marT="44801" marB="44801"/>
+                </a:tc>
+                <a:extLst>
+                  <a:ext uri="{0D108BD9-81ED-4DB2-BD59-A6C34878D82A}">
+                    <a16:rowId xmlns:a16="http://schemas.microsoft.com/office/drawing/2014/main" val="3770625073"/>
+                  </a:ext>
+                </a:extLst>
+              </a:tr>
+              <a:tr h="308421">
+                <a:tc>
+                  <a:txBody>
+                    <a:bodyPr/>
+                    <a:lstStyle/>
+                    <a:p>
+                      <a:pPr algn="ctr"/>
+                      <a:r>
+                        <a:rPr lang="en-US" sz="1600" b="1" dirty="0"/>
+                        <a:t>Pallas</a:t>
+                      </a:r>
+                    </a:p>
+                  </a:txBody>
+                  <a:tcPr marL="89601" marR="89601" marT="44801" marB="44801"/>
+                </a:tc>
+                <a:tc>
+                  <a:txBody>
+                    <a:bodyPr/>
+                    <a:lstStyle/>
+                    <a:p>
+                      <a:pPr algn="ctr"/>
+                      <a:r>
+                        <a:rPr lang="en-US" sz="1600" dirty="0"/>
+                        <a:t>12</a:t>
+                      </a:r>
+                    </a:p>
+                  </a:txBody>
+                  <a:tcPr marL="89601" marR="89601" marT="44801" marB="44801"/>
+                </a:tc>
+                <a:tc>
+                  <a:txBody>
+                    <a:bodyPr/>
+                    <a:lstStyle/>
+                    <a:p>
+                      <a:pPr algn="ctr"/>
+                      <a:r>
+                        <a:rPr lang="en-US" sz="1600" dirty="0"/>
+                        <a:t>18</a:t>
+                      </a:r>
+                    </a:p>
+                  </a:txBody>
+                  <a:tcPr marL="89601" marR="89601" marT="44801" marB="44801"/>
+                </a:tc>
+                <a:tc>
+                  <a:txBody>
+                    <a:bodyPr/>
+                    <a:lstStyle/>
+                    <a:p>
+                      <a:pPr algn="ctr"/>
+                      <a:r>
+                        <a:rPr lang="en-US" sz="1600" dirty="0"/>
+                        <a:t>-</a:t>
+                      </a:r>
+                    </a:p>
+                  </a:txBody>
+                  <a:tcPr marL="89601" marR="89601" marT="44801" marB="44801"/>
+                </a:tc>
+                <a:tc>
+                  <a:txBody>
+                    <a:bodyPr/>
+                    <a:lstStyle/>
+                    <a:p>
+                      <a:pPr algn="ctr"/>
+                      <a:r>
+                        <a:rPr lang="en-US" sz="1600" dirty="0"/>
+                        <a:t>24</a:t>
+                      </a:r>
+                    </a:p>
+                  </a:txBody>
+                  <a:tcPr marL="89601" marR="89601" marT="44801" marB="44801"/>
+                </a:tc>
+                <a:extLst>
+                  <a:ext uri="{0D108BD9-81ED-4DB2-BD59-A6C34878D82A}">
+                    <a16:rowId xmlns:a16="http://schemas.microsoft.com/office/drawing/2014/main" val="3249050652"/>
+                  </a:ext>
+                </a:extLst>
+              </a:tr>
+              <a:tr h="308421">
+                <a:tc>
+                  <a:txBody>
+                    <a:bodyPr/>
+                    <a:lstStyle/>
+                    <a:p>
+                      <a:pPr algn="ctr"/>
+                      <a:r>
+                        <a:rPr lang="en-US" sz="1600" b="1" dirty="0"/>
+                        <a:t>Ceres</a:t>
+                      </a:r>
+                    </a:p>
+                  </a:txBody>
+                  <a:tcPr marL="89601" marR="89601" marT="44801" marB="44801"/>
+                </a:tc>
+                <a:tc>
+                  <a:txBody>
+                    <a:bodyPr/>
+                    <a:lstStyle/>
+                    <a:p>
+                      <a:pPr algn="ctr"/>
+                      <a:r>
+                        <a:rPr lang="en-US" sz="1600" dirty="0"/>
+                        <a:t>20</a:t>
+                      </a:r>
+                    </a:p>
+                  </a:txBody>
+                  <a:tcPr marL="89601" marR="89601" marT="44801" marB="44801"/>
+                </a:tc>
+                <a:tc>
+                  <a:txBody>
+                    <a:bodyPr/>
+                    <a:lstStyle/>
+                    <a:p>
+                      <a:pPr algn="ctr"/>
+                      <a:r>
+                        <a:rPr lang="en-US" sz="1600" dirty="0"/>
+                        <a:t>26</a:t>
+                      </a:r>
+                    </a:p>
+                  </a:txBody>
+                  <a:tcPr marL="89601" marR="89601" marT="44801" marB="44801"/>
+                </a:tc>
+                <a:tc>
+                  <a:txBody>
+                    <a:bodyPr/>
+                    <a:lstStyle/>
+                    <a:p>
+                      <a:pPr algn="ctr"/>
+                      <a:r>
+                        <a:rPr lang="en-US" sz="1600" dirty="0"/>
+                        <a:t>24</a:t>
+                      </a:r>
+                    </a:p>
+                  </a:txBody>
+                  <a:tcPr marL="89601" marR="89601" marT="44801" marB="44801"/>
+                </a:tc>
+                <a:tc>
+                  <a:txBody>
+                    <a:bodyPr/>
+                    <a:lstStyle/>
+                    <a:p>
+                      <a:pPr algn="ctr"/>
+                      <a:r>
+                        <a:rPr lang="en-US" sz="1600" dirty="0"/>
+                        <a:t>-</a:t>
+                      </a:r>
+                    </a:p>
+                  </a:txBody>
+                  <a:tcPr marL="89601" marR="89601" marT="44801" marB="44801"/>
+                </a:tc>
+                <a:extLst>
+                  <a:ext uri="{0D108BD9-81ED-4DB2-BD59-A6C34878D82A}">
+                    <a16:rowId xmlns:a16="http://schemas.microsoft.com/office/drawing/2014/main" val="3899100833"/>
+                  </a:ext>
+                </a:extLst>
+              </a:tr>
+            </a:tbl>
+          </a:graphicData>
+        </a:graphic>
+      </p:graphicFrame>
+      <p:graphicFrame>
+        <p:nvGraphicFramePr>
+          <p:cNvPr id="30" name="Table 3">
+            <a:extLst>
+              <a:ext uri="{FF2B5EF4-FFF2-40B4-BE49-F238E27FC236}">
+                <a16:creationId xmlns:a16="http://schemas.microsoft.com/office/drawing/2014/main" id="{BDE36F31-7011-4B40-A476-E4B72194B0C0}"/>
+              </a:ext>
+            </a:extLst>
+          </p:cNvPr>
+          <p:cNvGraphicFramePr>
+            <a:graphicFrameLocks noGrp="1"/>
+          </p:cNvGraphicFramePr>
+          <p:nvPr>
+            <p:extLst>
+              <p:ext uri="{D42A27DB-BD31-4B8C-83A1-F6EECF244321}">
+                <p14:modId xmlns:p14="http://schemas.microsoft.com/office/powerpoint/2010/main" val="2929268326"/>
+              </p:ext>
+            </p:extLst>
+          </p:nvPr>
+        </p:nvGraphicFramePr>
+        <p:xfrm>
+          <a:off x="1564066" y="2824195"/>
+          <a:ext cx="5705856" cy="1667210"/>
+        </p:xfrm>
+        <a:graphic>
+          <a:graphicData uri="http://schemas.openxmlformats.org/drawingml/2006/table">
+            <a:tbl>
+              <a:tblPr firstRow="1" bandRow="1">
+                <a:tableStyleId>{0505E3EF-67EA-436B-97B2-0124C06EBD24}</a:tableStyleId>
+              </a:tblPr>
+              <a:tblGrid>
+                <a:gridCol w="1426464">
+                  <a:extLst>
+                    <a:ext uri="{9D8B030D-6E8A-4147-A177-3AD203B41FA5}">
+                      <a16:colId xmlns:a16="http://schemas.microsoft.com/office/drawing/2014/main" val="884158799"/>
+                    </a:ext>
+                  </a:extLst>
+                </a:gridCol>
+                <a:gridCol w="1426464">
+                  <a:extLst>
+                    <a:ext uri="{9D8B030D-6E8A-4147-A177-3AD203B41FA5}">
+                      <a16:colId xmlns:a16="http://schemas.microsoft.com/office/drawing/2014/main" val="3587704130"/>
+                    </a:ext>
+                  </a:extLst>
+                </a:gridCol>
+                <a:gridCol w="1426464">
+                  <a:extLst>
+                    <a:ext uri="{9D8B030D-6E8A-4147-A177-3AD203B41FA5}">
+                      <a16:colId xmlns:a16="http://schemas.microsoft.com/office/drawing/2014/main" val="1459892759"/>
+                    </a:ext>
+                  </a:extLst>
+                </a:gridCol>
+                <a:gridCol w="1426464">
+                  <a:extLst>
+                    <a:ext uri="{9D8B030D-6E8A-4147-A177-3AD203B41FA5}">
+                      <a16:colId xmlns:a16="http://schemas.microsoft.com/office/drawing/2014/main" val="3799208621"/>
+                    </a:ext>
+                  </a:extLst>
+                </a:gridCol>
+              </a:tblGrid>
+              <a:tr h="124604">
+                <a:tc>
+                  <a:txBody>
+                    <a:bodyPr/>
+                    <a:lstStyle/>
+                    <a:p>
+                      <a:pPr algn="ctr"/>
+                      <a:r>
+                        <a:rPr lang="en-US" sz="1600" b="1" dirty="0"/>
+                        <a:t>Asteroid</a:t>
+                      </a:r>
+                    </a:p>
+                  </a:txBody>
+                  <a:tcPr marL="89601" marR="89601" marT="44801" marB="44801"/>
+                </a:tc>
+                <a:tc>
+                  <a:txBody>
+                    <a:bodyPr/>
+                    <a:lstStyle/>
+                    <a:p>
+                      <a:pPr algn="ctr"/>
+                      <a:r>
+                        <a:rPr lang="en-US" sz="1600" dirty="0"/>
+                        <a:t># of Martians</a:t>
+                      </a:r>
+                    </a:p>
+                  </a:txBody>
+                  <a:tcPr marL="89601" marR="89601" marT="44801" marB="44801"/>
+                </a:tc>
+                <a:tc>
+                  <a:txBody>
+                    <a:bodyPr/>
+                    <a:lstStyle/>
+                    <a:p>
+                      <a:pPr algn="ctr"/>
+                      <a:r>
+                        <a:rPr lang="en-US" sz="1600"/>
+                        <a:t># </a:t>
+                      </a:r>
+                      <a:r>
+                        <a:rPr lang="en-US" sz="1600" dirty="0"/>
+                        <a:t>of Earthers</a:t>
+                      </a:r>
+                    </a:p>
+                  </a:txBody>
+                  <a:tcPr marL="89601" marR="89601" marT="44801" marB="44801"/>
+                </a:tc>
+                <a:tc>
+                  <a:txBody>
+                    <a:bodyPr/>
+                    <a:lstStyle/>
+                    <a:p>
+                      <a:pPr algn="ctr"/>
+                      <a:r>
+                        <a:rPr lang="en-US" sz="1600" i="1" dirty="0"/>
+                        <a:t>Capacity</a:t>
+                      </a:r>
+                    </a:p>
+                  </a:txBody>
+                  <a:tcPr marL="89601" marR="89601" marT="44801" marB="44801"/>
+                </a:tc>
+                <a:extLst>
+                  <a:ext uri="{0D108BD9-81ED-4DB2-BD59-A6C34878D82A}">
+                    <a16:rowId xmlns:a16="http://schemas.microsoft.com/office/drawing/2014/main" val="3609992459"/>
+                  </a:ext>
+                </a:extLst>
+              </a:tr>
+              <a:tr h="308421">
+                <a:tc>
+                  <a:txBody>
+                    <a:bodyPr/>
+                    <a:lstStyle/>
+                    <a:p>
+                      <a:pPr algn="ctr"/>
+                      <a:r>
+                        <a:rPr lang="en-US" sz="1600" b="1" dirty="0"/>
+                        <a:t>Vesta</a:t>
+                      </a:r>
+                    </a:p>
+                  </a:txBody>
+                  <a:tcPr marL="89601" marR="89601" marT="44801" marB="44801"/>
+                </a:tc>
+                <a:tc>
+                  <a:txBody>
+                    <a:bodyPr/>
+                    <a:lstStyle/>
+                    <a:p>
+                      <a:pPr algn="ctr"/>
+                      <a:r>
+                        <a:rPr lang="en-US" sz="1600" dirty="0"/>
+                        <a:t>1000</a:t>
+                      </a:r>
+                    </a:p>
+                  </a:txBody>
+                  <a:tcPr marL="89601" marR="89601" marT="44801" marB="44801"/>
+                </a:tc>
+                <a:tc>
+                  <a:txBody>
+                    <a:bodyPr/>
+                    <a:lstStyle/>
+                    <a:p>
+                      <a:pPr algn="ctr"/>
+                      <a:r>
+                        <a:rPr lang="en-US" sz="1600" dirty="0"/>
+                        <a:t>300</a:t>
+                      </a:r>
+                    </a:p>
+                  </a:txBody>
+                  <a:tcPr marL="89601" marR="89601" marT="44801" marB="44801"/>
+                </a:tc>
+                <a:tc>
+                  <a:txBody>
+                    <a:bodyPr/>
+                    <a:lstStyle/>
+                    <a:p>
+                      <a:pPr algn="ctr"/>
+                      <a:r>
+                        <a:rPr lang="en-US" sz="1600" dirty="0"/>
+                        <a:t>1200</a:t>
+                      </a:r>
+                    </a:p>
+                  </a:txBody>
+                  <a:tcPr marL="89601" marR="89601" marT="44801" marB="44801"/>
+                </a:tc>
+                <a:extLst>
+                  <a:ext uri="{0D108BD9-81ED-4DB2-BD59-A6C34878D82A}">
+                    <a16:rowId xmlns:a16="http://schemas.microsoft.com/office/drawing/2014/main" val="2738762858"/>
+                  </a:ext>
+                </a:extLst>
+              </a:tr>
+              <a:tr h="308421">
+                <a:tc>
+                  <a:txBody>
+                    <a:bodyPr/>
+                    <a:lstStyle/>
+                    <a:p>
+                      <a:pPr algn="ctr"/>
+                      <a:r>
+                        <a:rPr lang="en-US" sz="1600" b="1" dirty="0"/>
+                        <a:t>Hygiea</a:t>
+                      </a:r>
+                    </a:p>
+                  </a:txBody>
+                  <a:tcPr marL="89601" marR="89601" marT="44801" marB="44801"/>
+                </a:tc>
+                <a:tc>
+                  <a:txBody>
+                    <a:bodyPr/>
+                    <a:lstStyle/>
+                    <a:p>
+                      <a:pPr algn="ctr"/>
+                      <a:r>
+                        <a:rPr lang="en-US" sz="1600" dirty="0"/>
+                        <a:t>450</a:t>
+                      </a:r>
+                    </a:p>
+                  </a:txBody>
+                  <a:tcPr marL="89601" marR="89601" marT="44801" marB="44801"/>
+                </a:tc>
+                <a:tc>
+                  <a:txBody>
+                    <a:bodyPr/>
+                    <a:lstStyle/>
+                    <a:p>
+                      <a:pPr algn="ctr"/>
+                      <a:r>
+                        <a:rPr lang="en-US" sz="1600" dirty="0"/>
+                        <a:t>800</a:t>
+                      </a:r>
+                    </a:p>
+                  </a:txBody>
+                  <a:tcPr marL="89601" marR="89601" marT="44801" marB="44801"/>
+                </a:tc>
+                <a:tc>
+                  <a:txBody>
+                    <a:bodyPr/>
+                    <a:lstStyle/>
+                    <a:p>
+                      <a:pPr algn="ctr"/>
+                      <a:r>
+                        <a:rPr lang="en-US" sz="1600" dirty="0"/>
+                        <a:t>1000</a:t>
+                      </a:r>
+                    </a:p>
+                  </a:txBody>
+                  <a:tcPr marL="89601" marR="89601" marT="44801" marB="44801"/>
+                </a:tc>
+                <a:extLst>
+                  <a:ext uri="{0D108BD9-81ED-4DB2-BD59-A6C34878D82A}">
+                    <a16:rowId xmlns:a16="http://schemas.microsoft.com/office/drawing/2014/main" val="3770625073"/>
+                  </a:ext>
+                </a:extLst>
+              </a:tr>
+              <a:tr h="308421">
+                <a:tc>
+                  <a:txBody>
+                    <a:bodyPr/>
+                    <a:lstStyle/>
+                    <a:p>
+                      <a:pPr algn="ctr"/>
+                      <a:r>
+                        <a:rPr lang="en-US" sz="1600" b="1" dirty="0"/>
+                        <a:t>Pallas</a:t>
+                      </a:r>
+                    </a:p>
+                  </a:txBody>
+                  <a:tcPr marL="89601" marR="89601" marT="44801" marB="44801"/>
+                </a:tc>
+                <a:tc>
+                  <a:txBody>
+                    <a:bodyPr/>
+                    <a:lstStyle/>
+                    <a:p>
+                      <a:pPr algn="ctr"/>
+                      <a:r>
+                        <a:rPr lang="en-US" sz="1600" dirty="0"/>
+                        <a:t>1050</a:t>
+                      </a:r>
+                    </a:p>
+                  </a:txBody>
+                  <a:tcPr marL="89601" marR="89601" marT="44801" marB="44801"/>
+                </a:tc>
+                <a:tc>
+                  <a:txBody>
+                    <a:bodyPr/>
+                    <a:lstStyle/>
+                    <a:p>
+                      <a:pPr algn="ctr"/>
+                      <a:r>
+                        <a:rPr lang="en-US" sz="1600" dirty="0"/>
+                        <a:t>400</a:t>
+                      </a:r>
+                    </a:p>
+                  </a:txBody>
+                  <a:tcPr marL="89601" marR="89601" marT="44801" marB="44801"/>
+                </a:tc>
+                <a:tc>
+                  <a:txBody>
+                    <a:bodyPr/>
+                    <a:lstStyle/>
+                    <a:p>
+                      <a:pPr algn="ctr"/>
+                      <a:r>
+                        <a:rPr lang="en-US" sz="1600" dirty="0"/>
+                        <a:t>1000</a:t>
+                      </a:r>
+                    </a:p>
+                  </a:txBody>
+                  <a:tcPr marL="89601" marR="89601" marT="44801" marB="44801"/>
+                </a:tc>
+                <a:extLst>
+                  <a:ext uri="{0D108BD9-81ED-4DB2-BD59-A6C34878D82A}">
+                    <a16:rowId xmlns:a16="http://schemas.microsoft.com/office/drawing/2014/main" val="3249050652"/>
+                  </a:ext>
+                </a:extLst>
+              </a:tr>
+              <a:tr h="308421">
+                <a:tc>
+                  <a:txBody>
+                    <a:bodyPr/>
+                    <a:lstStyle/>
+                    <a:p>
+                      <a:pPr algn="ctr"/>
+                      <a:r>
+                        <a:rPr lang="en-US" sz="1600" b="1" dirty="0"/>
+                        <a:t>Ceres</a:t>
+                      </a:r>
+                    </a:p>
+                  </a:txBody>
+                  <a:tcPr marL="89601" marR="89601" marT="44801" marB="44801"/>
+                </a:tc>
+                <a:tc>
+                  <a:txBody>
+                    <a:bodyPr/>
+                    <a:lstStyle/>
+                    <a:p>
+                      <a:pPr algn="ctr"/>
+                      <a:r>
+                        <a:rPr lang="en-US" sz="1600" dirty="0"/>
+                        <a:t>500</a:t>
+                      </a:r>
+                    </a:p>
+                  </a:txBody>
+                  <a:tcPr marL="89601" marR="89601" marT="44801" marB="44801"/>
+                </a:tc>
+                <a:tc>
+                  <a:txBody>
+                    <a:bodyPr/>
+                    <a:lstStyle/>
+                    <a:p>
+                      <a:pPr algn="ctr"/>
+                      <a:r>
+                        <a:rPr lang="en-US" sz="1600" dirty="0"/>
+                        <a:t>500</a:t>
+                      </a:r>
+                    </a:p>
+                  </a:txBody>
+                  <a:tcPr marL="89601" marR="89601" marT="44801" marB="44801"/>
+                </a:tc>
+                <a:tc>
+                  <a:txBody>
+                    <a:bodyPr/>
+                    <a:lstStyle/>
+                    <a:p>
+                      <a:pPr algn="ctr"/>
+                      <a:r>
+                        <a:rPr lang="en-US" sz="1600" dirty="0"/>
+                        <a:t>1200</a:t>
+                      </a:r>
+                    </a:p>
+                  </a:txBody>
+                  <a:tcPr marL="89601" marR="89601" marT="44801" marB="44801"/>
+                </a:tc>
+                <a:extLst>
+                  <a:ext uri="{0D108BD9-81ED-4DB2-BD59-A6C34878D82A}">
+                    <a16:rowId xmlns:a16="http://schemas.microsoft.com/office/drawing/2014/main" val="3899100833"/>
+                  </a:ext>
+                </a:extLst>
+              </a:tr>
+            </a:tbl>
+          </a:graphicData>
+        </a:graphic>
+      </p:graphicFrame>
     </p:spTree>
     <p:extLst>
       <p:ext uri="{BB962C8B-B14F-4D97-AF65-F5344CB8AC3E}">
@@ -13936,7 +16206,7 @@
 </p:sld>
 </file>
 
-<file path=ppt/slides/slide17.xml><?xml version="1.0" encoding="utf-8"?>
+<file path=ppt/slides/slide18.xml><?xml version="1.0" encoding="utf-8"?>
 <p:sld xmlns:a="http://schemas.openxmlformats.org/drawingml/2006/main" xmlns:r="http://schemas.openxmlformats.org/officeDocument/2006/relationships" xmlns:p="http://schemas.openxmlformats.org/presentationml/2006/main">
   <p:cSld>
     <p:bg>
@@ -29444,7 +31714,7 @@
                 </a:solidFill>
                 <a:latin typeface="Bodoni MT" panose="02070603080606020203" pitchFamily="18" charset="0"/>
               </a:rPr>
-              <a:t>Ex: Oakdale School Busing</a:t>
+              <a:t>Ex: The Expanse</a:t>
             </a:r>
           </a:p>
         </p:txBody>
@@ -30019,7 +32289,7 @@
         <p:spPr>
           <a:xfrm>
             <a:off x="773935" y="1947592"/>
-            <a:ext cx="8859163" cy="3785652"/>
+            <a:ext cx="8859163" cy="5016758"/>
           </a:xfrm>
           <a:prstGeom prst="rect">
             <a:avLst/>
@@ -30043,7 +32313,52 @@
                 </a:solidFill>
                 <a:latin typeface="Corbel" panose="020B0503020204020204" pitchFamily="34" charset="0"/>
               </a:rPr>
-              <a:t>Oakdale County school board met in a special session</a:t>
+              <a:t>In the Expanse, there are three main factions:</a:t>
+            </a:r>
+          </a:p>
+          <a:p>
+            <a:pPr marL="742950" lvl="1" indent="-285750">
+              <a:buFont typeface="Arial" panose="020B0604020202020204" pitchFamily="34" charset="0"/>
+              <a:buChar char="•"/>
+            </a:pPr>
+            <a:r>
+              <a:rPr lang="en-US" sz="2000" dirty="0">
+                <a:solidFill>
+                  <a:srgbClr val="404040"/>
+                </a:solidFill>
+                <a:latin typeface="Corbel" panose="020B0503020204020204" pitchFamily="34" charset="0"/>
+              </a:rPr>
+              <a:t>Earthers from Earth</a:t>
+            </a:r>
+          </a:p>
+          <a:p>
+            <a:pPr marL="742950" lvl="1" indent="-285750">
+              <a:buFont typeface="Arial" panose="020B0604020202020204" pitchFamily="34" charset="0"/>
+              <a:buChar char="•"/>
+            </a:pPr>
+            <a:r>
+              <a:rPr lang="en-US" sz="2000" dirty="0">
+                <a:solidFill>
+                  <a:srgbClr val="404040"/>
+                </a:solidFill>
+                <a:latin typeface="Corbel" panose="020B0503020204020204" pitchFamily="34" charset="0"/>
+              </a:rPr>
+              <a:t>Martians from Mars</a:t>
+            </a:r>
+          </a:p>
+          <a:p>
+            <a:pPr marL="742950" lvl="1" indent="-285750">
+              <a:buFont typeface="Arial" panose="020B0604020202020204" pitchFamily="34" charset="0"/>
+              <a:buChar char="•"/>
+            </a:pPr>
+            <a:r>
+              <a:rPr lang="en-US" sz="2000" dirty="0">
+                <a:solidFill>
+                  <a:srgbClr val="404040"/>
+                </a:solidFill>
+                <a:latin typeface="Corbel" panose="020B0503020204020204" pitchFamily="34" charset="0"/>
+              </a:rPr>
+              <a:t>Belters from the Asteroid Belt</a:t>
             </a:r>
           </a:p>
           <a:p>
@@ -30070,14 +32385,10 @@
                 </a:solidFill>
                 <a:latin typeface="Corbel" panose="020B0503020204020204" pitchFamily="34" charset="0"/>
               </a:rPr>
-              <a:t>Federal Judge Barry ordered them to present an acceptable busing plan for racially balancing the 4 high schools in Oakdale County</a:t>
+              <a:t>All three factions have fought for years and the well-respected earther, Jim Holden, who works in the belt, has recommended Earth and Mars to balance representation of their people at 4 asteroid developments in the belt</a:t>
             </a:r>
           </a:p>
           <a:p>
-            <a:pPr marL="285750" indent="-285750">
-              <a:buFont typeface="Arial" panose="020B0604020202020204" pitchFamily="34" charset="0"/>
-              <a:buChar char="•"/>
-            </a:pPr>
             <a:endParaRPr lang="en-US" sz="2000" dirty="0">
               <a:solidFill>
                 <a:srgbClr val="404040"/>
@@ -30097,7 +32408,7 @@
                 </a:solidFill>
                 <a:latin typeface="Corbel" panose="020B0503020204020204" pitchFamily="34" charset="0"/>
               </a:rPr>
-              <a:t>Racial balance of the 4 high schools</a:t>
+              <a:t>Current distribution at the 4 space stations</a:t>
             </a:r>
           </a:p>
           <a:p>
@@ -30112,7 +32423,7 @@
                 </a:solidFill>
                 <a:latin typeface="Corbel" panose="020B0503020204020204" pitchFamily="34" charset="0"/>
               </a:rPr>
-              <a:t>West High School: 500 Black &amp; 500 White</a:t>
+              <a:t>Ceres: 500 Earthers &amp; 500 Martians</a:t>
             </a:r>
           </a:p>
           <a:p>
@@ -30127,7 +32438,7 @@
                 </a:solidFill>
                 <a:latin typeface="Corbel" panose="020B0503020204020204" pitchFamily="34" charset="0"/>
               </a:rPr>
-              <a:t>North High School: 300 Black &amp; 1,000 White</a:t>
+              <a:t>Vesta: 300 Earthers &amp; 1,000 Martians</a:t>
             </a:r>
           </a:p>
           <a:p>
@@ -30142,7 +32453,7 @@
                 </a:solidFill>
                 <a:latin typeface="Corbel" panose="020B0503020204020204" pitchFamily="34" charset="0"/>
               </a:rPr>
-              <a:t>East High School: 400 Black &amp; 1,050 White</a:t>
+              <a:t>Pallas: 400 Earthers &amp; 1,050 Martians</a:t>
             </a:r>
           </a:p>
           <a:p>
@@ -30157,7 +32468,7 @@
                 </a:solidFill>
                 <a:latin typeface="Corbel" panose="020B0503020204020204" pitchFamily="34" charset="0"/>
               </a:rPr>
-              <a:t>South High School: 800 Black &amp; 450 White</a:t>
+              <a:t>Hygiea: 800 Earthers &amp; 450 Martians</a:t>
             </a:r>
           </a:p>
           <a:p>
@@ -30165,7 +32476,7 @@
               <a:buFont typeface="Arial" panose="020B0604020202020204" pitchFamily="34" charset="0"/>
               <a:buChar char="•"/>
             </a:pPr>
-            <a:endParaRPr lang="en-US" sz="2000" dirty="0">
+            <a:endParaRPr lang="en-US" sz="1600" dirty="0">
               <a:solidFill>
                 <a:srgbClr val="404040"/>
               </a:solidFill>
@@ -30184,7 +32495,7 @@
                 </a:solidFill>
                 <a:latin typeface="Corbel" panose="020B0503020204020204" pitchFamily="34" charset="0"/>
               </a:rPr>
-              <a:t>Overall 5,000 Students: 40% Black &amp; 60% White</a:t>
+              <a:t>Overall: 5,000 Earthers and Martians: 40% Earthers &amp; 60% Martians</a:t>
             </a:r>
           </a:p>
         </p:txBody>
@@ -30309,7 +32620,7 @@
     </p:spTree>
     <p:extLst>
       <p:ext uri="{BB962C8B-B14F-4D97-AF65-F5344CB8AC3E}">
-        <p14:creationId xmlns:p14="http://schemas.microsoft.com/office/powerpoint/2010/main" val="2751095"/>
+        <p14:creationId xmlns:p14="http://schemas.microsoft.com/office/powerpoint/2010/main" val="2766178238"/>
       </p:ext>
     </p:extLst>
   </p:cSld>

--- a/Lectures/Lecture 16/Lecture 16.pptx
+++ b/Lectures/Lecture 16/Lecture 16.pptx
@@ -226,7 +226,7 @@
           <a:p>
             <a:fld id="{467FE51A-BC06-4E6F-B1DA-B477364E598F}" type="datetimeFigureOut">
               <a:rPr lang="en-US" smtClean="0"/>
-              <a:t>3/8/2021</a:t>
+              <a:t>3/10/2021</a:t>
             </a:fld>
             <a:endParaRPr lang="en-US"/>
           </a:p>
@@ -640,7 +640,7 @@
           <a:p>
             <a:fld id="{11C4ABE2-2F1A-4C31-A43A-C3E7CE49CE95}" type="datetimeFigureOut">
               <a:rPr lang="en-US" smtClean="0"/>
-              <a:t>3/8/2021</a:t>
+              <a:t>3/10/2021</a:t>
             </a:fld>
             <a:endParaRPr lang="en-US"/>
           </a:p>
@@ -838,7 +838,7 @@
           <a:p>
             <a:fld id="{11C4ABE2-2F1A-4C31-A43A-C3E7CE49CE95}" type="datetimeFigureOut">
               <a:rPr lang="en-US" smtClean="0"/>
-              <a:t>3/8/2021</a:t>
+              <a:t>3/10/2021</a:t>
             </a:fld>
             <a:endParaRPr lang="en-US"/>
           </a:p>
@@ -1046,7 +1046,7 @@
           <a:p>
             <a:fld id="{11C4ABE2-2F1A-4C31-A43A-C3E7CE49CE95}" type="datetimeFigureOut">
               <a:rPr lang="en-US" smtClean="0"/>
-              <a:t>3/8/2021</a:t>
+              <a:t>3/10/2021</a:t>
             </a:fld>
             <a:endParaRPr lang="en-US"/>
           </a:p>
@@ -1244,7 +1244,7 @@
           <a:p>
             <a:fld id="{11C4ABE2-2F1A-4C31-A43A-C3E7CE49CE95}" type="datetimeFigureOut">
               <a:rPr lang="en-US" smtClean="0"/>
-              <a:t>3/8/2021</a:t>
+              <a:t>3/10/2021</a:t>
             </a:fld>
             <a:endParaRPr lang="en-US"/>
           </a:p>
@@ -1519,7 +1519,7 @@
           <a:p>
             <a:fld id="{11C4ABE2-2F1A-4C31-A43A-C3E7CE49CE95}" type="datetimeFigureOut">
               <a:rPr lang="en-US" smtClean="0"/>
-              <a:t>3/8/2021</a:t>
+              <a:t>3/10/2021</a:t>
             </a:fld>
             <a:endParaRPr lang="en-US"/>
           </a:p>
@@ -1784,7 +1784,7 @@
           <a:p>
             <a:fld id="{11C4ABE2-2F1A-4C31-A43A-C3E7CE49CE95}" type="datetimeFigureOut">
               <a:rPr lang="en-US" smtClean="0"/>
-              <a:t>3/8/2021</a:t>
+              <a:t>3/10/2021</a:t>
             </a:fld>
             <a:endParaRPr lang="en-US"/>
           </a:p>
@@ -2196,7 +2196,7 @@
           <a:p>
             <a:fld id="{11C4ABE2-2F1A-4C31-A43A-C3E7CE49CE95}" type="datetimeFigureOut">
               <a:rPr lang="en-US" smtClean="0"/>
-              <a:t>3/8/2021</a:t>
+              <a:t>3/10/2021</a:t>
             </a:fld>
             <a:endParaRPr lang="en-US"/>
           </a:p>
@@ -2337,7 +2337,7 @@
           <a:p>
             <a:fld id="{11C4ABE2-2F1A-4C31-A43A-C3E7CE49CE95}" type="datetimeFigureOut">
               <a:rPr lang="en-US" smtClean="0"/>
-              <a:t>3/8/2021</a:t>
+              <a:t>3/10/2021</a:t>
             </a:fld>
             <a:endParaRPr lang="en-US"/>
           </a:p>
@@ -2450,7 +2450,7 @@
           <a:p>
             <a:fld id="{11C4ABE2-2F1A-4C31-A43A-C3E7CE49CE95}" type="datetimeFigureOut">
               <a:rPr lang="en-US" smtClean="0"/>
-              <a:t>3/8/2021</a:t>
+              <a:t>3/10/2021</a:t>
             </a:fld>
             <a:endParaRPr lang="en-US"/>
           </a:p>
@@ -2761,7 +2761,7 @@
           <a:p>
             <a:fld id="{11C4ABE2-2F1A-4C31-A43A-C3E7CE49CE95}" type="datetimeFigureOut">
               <a:rPr lang="en-US" smtClean="0"/>
-              <a:t>3/8/2021</a:t>
+              <a:t>3/10/2021</a:t>
             </a:fld>
             <a:endParaRPr lang="en-US"/>
           </a:p>
@@ -3049,7 +3049,7 @@
           <a:p>
             <a:fld id="{11C4ABE2-2F1A-4C31-A43A-C3E7CE49CE95}" type="datetimeFigureOut">
               <a:rPr lang="en-US" smtClean="0"/>
-              <a:t>3/8/2021</a:t>
+              <a:t>3/10/2021</a:t>
             </a:fld>
             <a:endParaRPr lang="en-US"/>
           </a:p>
@@ -3290,7 +3290,7 @@
           <a:p>
             <a:fld id="{11C4ABE2-2F1A-4C31-A43A-C3E7CE49CE95}" type="datetimeFigureOut">
               <a:rPr lang="en-US" smtClean="0"/>
-              <a:t>3/8/2021</a:t>
+              <a:t>3/10/2021</a:t>
             </a:fld>
             <a:endParaRPr lang="en-US"/>
           </a:p>
@@ -29874,8 +29874,8 @@
           </a:prstGeom>
         </p:spPr>
       </p:pic>
-      <mc:AlternateContent xmlns:mc="http://schemas.openxmlformats.org/markup-compatibility/2006" xmlns:a14="http://schemas.microsoft.com/office/drawing/2010/main">
-        <mc:Choice Requires="a14">
+      <mc:AlternateContent xmlns:mc="http://schemas.openxmlformats.org/markup-compatibility/2006">
+        <mc:Choice xmlns:a14="http://schemas.microsoft.com/office/drawing/2010/main" Requires="a14">
           <p:sp>
             <p:nvSpPr>
               <p:cNvPr id="30" name="TextBox 29">
@@ -30168,37 +30168,12 @@
                       </a:rPr>
                       <m:t>,</m:t>
                     </m:r>
-                    <m:sSub>
-                      <m:sSubPr>
-                        <m:ctrlPr>
-                          <a:rPr lang="en-US" sz="2000" i="1">
-                            <a:latin typeface="Cambria Math" panose="02040503050406030204" pitchFamily="18" charset="0"/>
-                          </a:rPr>
-                        </m:ctrlPr>
-                      </m:sSubPr>
-                      <m:e>
-                        <m:r>
-                          <a:rPr lang="en-US" sz="2000" i="1">
-                            <a:latin typeface="Cambria Math" panose="02040503050406030204" pitchFamily="18" charset="0"/>
-                          </a:rPr>
-                          <m:t>4</m:t>
-                        </m:r>
-                        <m:r>
-                          <a:rPr lang="en-US" sz="2000" i="1">
-                            <a:latin typeface="Cambria Math" panose="02040503050406030204" pitchFamily="18" charset="0"/>
-                          </a:rPr>
-                          <m:t>𝑃</m:t>
-                        </m:r>
-                      </m:e>
-                      <m:sub>
-                        <m:r>
-                          <a:rPr lang="en-US" sz="2000" i="1">
-                            <a:latin typeface="Cambria Math" panose="02040503050406030204" pitchFamily="18" charset="0"/>
-                          </a:rPr>
-                          <m:t>5</m:t>
-                        </m:r>
-                      </m:sub>
-                    </m:sSub>
+                    <m:r>
+                      <a:rPr lang="en-US" sz="2000" i="1" smtClean="0">
+                        <a:latin typeface="Cambria Math" panose="02040503050406030204" pitchFamily="18" charset="0"/>
+                      </a:rPr>
+                      <m:t> </m:t>
+                    </m:r>
                     <m:sSubSup>
                       <m:sSubSupPr>
                         <m:ctrlPr>
@@ -30208,6 +30183,37 @@
                         </m:ctrlPr>
                       </m:sSubSupPr>
                       <m:e>
+                        <m:sSub>
+                          <m:sSubPr>
+                            <m:ctrlPr>
+                              <a:rPr lang="en-US" sz="2000" b="0" i="1" smtClean="0">
+                                <a:latin typeface="Cambria Math" panose="02040503050406030204" pitchFamily="18" charset="0"/>
+                              </a:rPr>
+                            </m:ctrlPr>
+                          </m:sSubPr>
+                          <m:e>
+                            <m:r>
+                              <a:rPr lang="en-US" sz="2000" b="0" i="1" smtClean="0">
+                                <a:latin typeface="Cambria Math" panose="02040503050406030204" pitchFamily="18" charset="0"/>
+                              </a:rPr>
+                              <m:t>𝑃</m:t>
+                            </m:r>
+                          </m:e>
+                          <m:sub>
+                            <m:r>
+                              <a:rPr lang="en-US" sz="2000" b="0" i="1" smtClean="0">
+                                <a:latin typeface="Cambria Math" panose="02040503050406030204" pitchFamily="18" charset="0"/>
+                              </a:rPr>
+                              <m:t>5</m:t>
+                            </m:r>
+                          </m:sub>
+                        </m:sSub>
+                        <m:r>
+                          <a:rPr lang="en-US" sz="2000" b="0" i="1" smtClean="0">
+                            <a:latin typeface="Cambria Math" panose="02040503050406030204" pitchFamily="18" charset="0"/>
+                          </a:rPr>
+                          <m:t>(4</m:t>
+                        </m:r>
                         <m:r>
                           <a:rPr lang="en-US" sz="2000" i="1">
                             <a:latin typeface="Cambria Math" panose="02040503050406030204" pitchFamily="18" charset="0"/>
@@ -30245,37 +30251,12 @@
                       <a:rPr lang="en-US" sz="2000" dirty="0"/>
                       <m:t> </m:t>
                     </m:r>
-                    <m:sSub>
-                      <m:sSubPr>
-                        <m:ctrlPr>
-                          <a:rPr lang="en-US" sz="2000" i="1">
-                            <a:latin typeface="Cambria Math" panose="02040503050406030204" pitchFamily="18" charset="0"/>
-                          </a:rPr>
-                        </m:ctrlPr>
-                      </m:sSubPr>
-                      <m:e>
-                        <m:r>
-                          <a:rPr lang="en-US" sz="2000" i="1">
-                            <a:latin typeface="Cambria Math" panose="02040503050406030204" pitchFamily="18" charset="0"/>
-                          </a:rPr>
-                          <m:t>5</m:t>
-                        </m:r>
-                        <m:r>
-                          <a:rPr lang="en-US" sz="2000" i="1">
-                            <a:latin typeface="Cambria Math" panose="02040503050406030204" pitchFamily="18" charset="0"/>
-                          </a:rPr>
-                          <m:t>𝑃</m:t>
-                        </m:r>
-                      </m:e>
-                      <m:sub>
-                        <m:r>
-                          <a:rPr lang="en-US" sz="2000" i="1">
-                            <a:latin typeface="Cambria Math" panose="02040503050406030204" pitchFamily="18" charset="0"/>
-                          </a:rPr>
-                          <m:t>5</m:t>
-                        </m:r>
-                      </m:sub>
-                    </m:sSub>
+                    <m:r>
+                      <a:rPr lang="en-US" sz="2000" b="0" i="1" dirty="0" smtClean="0">
+                        <a:latin typeface="Cambria Math" panose="02040503050406030204" pitchFamily="18" charset="0"/>
+                      </a:rPr>
+                      <m:t>5</m:t>
+                    </m:r>
                     <m:sSubSup>
                       <m:sSubSupPr>
                         <m:ctrlPr>
@@ -30309,6 +30290,12 @@
                         </m:r>
                       </m:sup>
                     </m:sSubSup>
+                    <m:r>
+                      <a:rPr lang="en-US" sz="2000" b="0" i="1" smtClean="0">
+                        <a:latin typeface="Cambria Math" panose="02040503050406030204" pitchFamily="18" charset="0"/>
+                      </a:rPr>
+                      <m:t>)</m:t>
+                    </m:r>
                   </m:oMath>
                 </a14:m>
                 <a:endParaRPr lang="en-US" sz="2000" dirty="0">
@@ -31459,7 +31446,7 @@
             </p:txBody>
           </p:sp>
         </mc:Choice>
-        <mc:Fallback xmlns="">
+        <mc:Fallback>
           <p:sp>
             <p:nvSpPr>
               <p:cNvPr id="30" name="TextBox 29">
